--- a/Blueprint/UseCases_PersistenID.pptx
+++ b/Blueprint/UseCases_PersistenID.pptx
@@ -5,22 +5,23 @@
     <p:sldMasterId id="2147483648" r:id="rId1"/>
   </p:sldMasterIdLst>
   <p:sldIdLst>
-    <p:sldId id="256" r:id="rId2"/>
-    <p:sldId id="279" r:id="rId3"/>
-    <p:sldId id="261" r:id="rId4"/>
-    <p:sldId id="258" r:id="rId5"/>
-    <p:sldId id="270" r:id="rId6"/>
-    <p:sldId id="271" r:id="rId7"/>
-    <p:sldId id="272" r:id="rId8"/>
-    <p:sldId id="273" r:id="rId9"/>
-    <p:sldId id="274" r:id="rId10"/>
-    <p:sldId id="275" r:id="rId11"/>
-    <p:sldId id="276" r:id="rId12"/>
-    <p:sldId id="277" r:id="rId13"/>
-    <p:sldId id="278" r:id="rId14"/>
-    <p:sldId id="280" r:id="rId15"/>
-    <p:sldId id="281" r:id="rId16"/>
-    <p:sldId id="282" r:id="rId17"/>
+    <p:sldId id="283" r:id="rId2"/>
+    <p:sldId id="256" r:id="rId3"/>
+    <p:sldId id="279" r:id="rId4"/>
+    <p:sldId id="261" r:id="rId5"/>
+    <p:sldId id="258" r:id="rId6"/>
+    <p:sldId id="270" r:id="rId7"/>
+    <p:sldId id="271" r:id="rId8"/>
+    <p:sldId id="272" r:id="rId9"/>
+    <p:sldId id="273" r:id="rId10"/>
+    <p:sldId id="274" r:id="rId11"/>
+    <p:sldId id="275" r:id="rId12"/>
+    <p:sldId id="276" r:id="rId13"/>
+    <p:sldId id="277" r:id="rId14"/>
+    <p:sldId id="278" r:id="rId15"/>
+    <p:sldId id="280" r:id="rId16"/>
+    <p:sldId id="281" r:id="rId17"/>
+    <p:sldId id="282" r:id="rId18"/>
   </p:sldIdLst>
   <p:sldSz cx="12192000" cy="6858000"/>
   <p:notesSz cx="6858000" cy="9144000"/>
@@ -995,7 +996,7 @@
           <a:p>
             <a:fld id="{29BFE5FB-EE99-4E69-B2F7-C156D52DE4BD}" type="datetimeFigureOut">
               <a:rPr lang="en-GB" smtClean="0"/>
-              <a:t>17/12/2025</a:t>
+              <a:t>19/12/2025</a:t>
             </a:fld>
             <a:endParaRPr lang="en-GB"/>
           </a:p>
@@ -1195,7 +1196,7 @@
           <a:p>
             <a:fld id="{29BFE5FB-EE99-4E69-B2F7-C156D52DE4BD}" type="datetimeFigureOut">
               <a:rPr lang="en-GB" smtClean="0"/>
-              <a:t>17/12/2025</a:t>
+              <a:t>19/12/2025</a:t>
             </a:fld>
             <a:endParaRPr lang="en-GB"/>
           </a:p>
@@ -1405,7 +1406,7 @@
           <a:p>
             <a:fld id="{29BFE5FB-EE99-4E69-B2F7-C156D52DE4BD}" type="datetimeFigureOut">
               <a:rPr lang="en-GB" smtClean="0"/>
-              <a:t>17/12/2025</a:t>
+              <a:t>19/12/2025</a:t>
             </a:fld>
             <a:endParaRPr lang="en-GB"/>
           </a:p>
@@ -1605,7 +1606,7 @@
           <a:p>
             <a:fld id="{29BFE5FB-EE99-4E69-B2F7-C156D52DE4BD}" type="datetimeFigureOut">
               <a:rPr lang="en-GB" smtClean="0"/>
-              <a:t>17/12/2025</a:t>
+              <a:t>19/12/2025</a:t>
             </a:fld>
             <a:endParaRPr lang="en-GB"/>
           </a:p>
@@ -1881,7 +1882,7 @@
           <a:p>
             <a:fld id="{29BFE5FB-EE99-4E69-B2F7-C156D52DE4BD}" type="datetimeFigureOut">
               <a:rPr lang="en-GB" smtClean="0"/>
-              <a:t>17/12/2025</a:t>
+              <a:t>19/12/2025</a:t>
             </a:fld>
             <a:endParaRPr lang="en-GB"/>
           </a:p>
@@ -2149,7 +2150,7 @@
           <a:p>
             <a:fld id="{29BFE5FB-EE99-4E69-B2F7-C156D52DE4BD}" type="datetimeFigureOut">
               <a:rPr lang="en-GB" smtClean="0"/>
-              <a:t>17/12/2025</a:t>
+              <a:t>19/12/2025</a:t>
             </a:fld>
             <a:endParaRPr lang="en-GB"/>
           </a:p>
@@ -2564,7 +2565,7 @@
           <a:p>
             <a:fld id="{29BFE5FB-EE99-4E69-B2F7-C156D52DE4BD}" type="datetimeFigureOut">
               <a:rPr lang="en-GB" smtClean="0"/>
-              <a:t>17/12/2025</a:t>
+              <a:t>19/12/2025</a:t>
             </a:fld>
             <a:endParaRPr lang="en-GB"/>
           </a:p>
@@ -2706,7 +2707,7 @@
           <a:p>
             <a:fld id="{29BFE5FB-EE99-4E69-B2F7-C156D52DE4BD}" type="datetimeFigureOut">
               <a:rPr lang="en-GB" smtClean="0"/>
-              <a:t>17/12/2025</a:t>
+              <a:t>19/12/2025</a:t>
             </a:fld>
             <a:endParaRPr lang="en-GB"/>
           </a:p>
@@ -2819,7 +2820,7 @@
           <a:p>
             <a:fld id="{29BFE5FB-EE99-4E69-B2F7-C156D52DE4BD}" type="datetimeFigureOut">
               <a:rPr lang="en-GB" smtClean="0"/>
-              <a:t>17/12/2025</a:t>
+              <a:t>19/12/2025</a:t>
             </a:fld>
             <a:endParaRPr lang="en-GB"/>
           </a:p>
@@ -3132,7 +3133,7 @@
           <a:p>
             <a:fld id="{29BFE5FB-EE99-4E69-B2F7-C156D52DE4BD}" type="datetimeFigureOut">
               <a:rPr lang="en-GB" smtClean="0"/>
-              <a:t>17/12/2025</a:t>
+              <a:t>19/12/2025</a:t>
             </a:fld>
             <a:endParaRPr lang="en-GB"/>
           </a:p>
@@ -3421,7 +3422,7 @@
           <a:p>
             <a:fld id="{29BFE5FB-EE99-4E69-B2F7-C156D52DE4BD}" type="datetimeFigureOut">
               <a:rPr lang="en-GB" smtClean="0"/>
-              <a:t>17/12/2025</a:t>
+              <a:t>19/12/2025</a:t>
             </a:fld>
             <a:endParaRPr lang="en-GB"/>
           </a:p>
@@ -3664,7 +3665,7 @@
           <a:p>
             <a:fld id="{29BFE5FB-EE99-4E69-B2F7-C156D52DE4BD}" type="datetimeFigureOut">
               <a:rPr lang="en-GB" smtClean="0"/>
-              <a:t>17/12/2025</a:t>
+              <a:t>19/12/2025</a:t>
             </a:fld>
             <a:endParaRPr lang="en-GB"/>
           </a:p>
@@ -4083,337 +4084,93 @@
       </p:grpSpPr>
       <p:sp>
         <p:nvSpPr>
-          <p:cNvPr id="2" name="TextBox 1">
-            <a:extLst>
-              <a:ext uri="{FF2B5EF4-FFF2-40B4-BE49-F238E27FC236}">
-                <a16:creationId xmlns:a16="http://schemas.microsoft.com/office/drawing/2014/main" id="{EC1D67A0-CE70-2409-0828-725C3A5B6DFC}"/>
-              </a:ext>
-            </a:extLst>
-          </p:cNvPr>
-          <p:cNvSpPr txBox="1"/>
-          <p:nvPr/>
-        </p:nvSpPr>
-        <p:spPr>
-          <a:xfrm>
-            <a:off x="419100" y="740122"/>
-            <a:ext cx="11216639" cy="5909310"/>
-          </a:xfrm>
-          <a:prstGeom prst="rect">
-            <a:avLst/>
-          </a:prstGeom>
-          <a:noFill/>
-        </p:spPr>
-        <p:txBody>
-          <a:bodyPr wrap="square" rtlCol="0">
-            <a:spAutoFit/>
-          </a:bodyPr>
+          <p:cNvPr id="2" name="Title 1">
+            <a:extLst>
+              <a:ext uri="{FF2B5EF4-FFF2-40B4-BE49-F238E27FC236}">
+                <a16:creationId xmlns:a16="http://schemas.microsoft.com/office/drawing/2014/main" id="{11DD9420-8432-E62E-4C10-AC3A7A25E132}"/>
+              </a:ext>
+            </a:extLst>
+          </p:cNvPr>
+          <p:cNvSpPr>
+            <a:spLocks noGrp="1"/>
+          </p:cNvSpPr>
+          <p:nvPr>
+            <p:ph type="title"/>
+          </p:nvPr>
+        </p:nvSpPr>
+        <p:spPr/>
+        <p:txBody>
+          <a:bodyPr/>
           <a:lstStyle/>
           <a:p>
-            <a:pPr marL="342900" indent="-342900">
-              <a:buFont typeface="+mj-lt"/>
-              <a:buAutoNum type="arabicPeriod"/>
+            <a:r>
+              <a:rPr lang="nb-NO" dirty="0"/>
+              <a:t>DISC DEXPI Blueprint use cases</a:t>
+            </a:r>
+            <a:endParaRPr lang="en-GB" dirty="0"/>
+          </a:p>
+        </p:txBody>
+      </p:sp>
+      <p:sp>
+        <p:nvSpPr>
+          <p:cNvPr id="3" name="Content Placeholder 2">
+            <a:extLst>
+              <a:ext uri="{FF2B5EF4-FFF2-40B4-BE49-F238E27FC236}">
+                <a16:creationId xmlns:a16="http://schemas.microsoft.com/office/drawing/2014/main" id="{92DC97DF-048F-486A-80DE-1D363DFBFEC8}"/>
+              </a:ext>
+            </a:extLst>
+          </p:cNvPr>
+          <p:cNvSpPr>
+            <a:spLocks noGrp="1"/>
+          </p:cNvSpPr>
+          <p:nvPr>
+            <p:ph idx="1"/>
+          </p:nvPr>
+        </p:nvSpPr>
+        <p:spPr/>
+        <p:txBody>
+          <a:bodyPr/>
+          <a:lstStyle/>
+          <a:p>
+            <a:pPr marL="0" indent="0">
+              <a:buNone/>
             </a:pPr>
             <a:r>
-              <a:rPr lang="en-GB" dirty="0"/>
-              <a:t>Base </a:t>
-            </a:r>
-            <a:r>
-              <a:rPr lang="en-GB" dirty="0" err="1"/>
-              <a:t>BluePrint</a:t>
-            </a:r>
-            <a:r>
-              <a:rPr lang="en-GB" dirty="0"/>
-              <a:t> File</a:t>
-            </a:r>
-          </a:p>
-          <a:p>
-            <a:pPr marL="800100" lvl="1" indent="-342900">
-              <a:buFont typeface="Arial" panose="020B0604020202020204" pitchFamily="34" charset="0"/>
-              <a:buChar char="•"/>
+              <a:rPr lang="nb-NO" dirty="0"/>
+              <a:t>This document gives an overview of the Blueprint use case versions:</a:t>
+            </a:r>
+          </a:p>
+          <a:p>
+            <a:pPr>
+              <a:buFontTx/>
+              <a:buChar char="-"/>
             </a:pPr>
             <a:r>
-              <a:rPr lang="en-GB" dirty="0"/>
-              <a:t>Safety elements ESV, PSD, ESD, LST mapped as </a:t>
-            </a:r>
-            <a:r>
-              <a:rPr lang="en-GB"/>
-              <a:t>ProcessSafetyFunction</a:t>
+              <a:rPr lang="nb-NO" dirty="0"/>
+              <a:t>what is changed between versions</a:t>
+            </a:r>
+          </a:p>
+          <a:p>
+            <a:pPr>
+              <a:buFontTx/>
+              <a:buChar char="-"/>
+            </a:pPr>
+            <a:r>
+              <a:rPr lang="nb-NO"/>
+              <a:t>naming </a:t>
+            </a:r>
+            <a:r>
+              <a:rPr lang="nb-NO" dirty="0"/>
+              <a:t>convention use for Blueprint ‘sets’ and versions</a:t>
             </a:r>
             <a:endParaRPr lang="en-GB" dirty="0"/>
-          </a:p>
-          <a:p>
-            <a:pPr marL="342900" indent="-342900">
-              <a:buFont typeface="+mj-lt"/>
-              <a:buAutoNum type="arabicPeriod" startAt="2"/>
-            </a:pPr>
-            <a:r>
-              <a:rPr lang="en-GB" dirty="0"/>
-              <a:t>Split DEXPI </a:t>
-            </a:r>
-            <a:r>
-              <a:rPr lang="en-GB" dirty="0" err="1"/>
-              <a:t>PipingNetworkSegment</a:t>
-            </a:r>
-            <a:r>
-              <a:rPr lang="en-GB" dirty="0"/>
-              <a:t> with a piping tee. E.g. split D-20L00004A DEXPI </a:t>
-            </a:r>
-            <a:r>
-              <a:rPr lang="en-GB" dirty="0" err="1"/>
-              <a:t>PipingNetworkSegment</a:t>
-            </a:r>
-            <a:r>
-              <a:rPr lang="en-GB" dirty="0"/>
-              <a:t> by placing a piping tee between the ESV0006 actuated valve and the FE0001 element and include an unnamed valve.</a:t>
-            </a:r>
-          </a:p>
-          <a:p>
-            <a:pPr marL="342900" indent="-342900">
-              <a:buFont typeface="+mj-lt"/>
-              <a:buAutoNum type="arabicPeriod" startAt="3"/>
-            </a:pPr>
-            <a:r>
-              <a:rPr lang="en-GB" dirty="0"/>
-              <a:t>Rename TI0003/TIC0003/TV0003 to TI0013/TIC0013/TV0013 and update associated loop.</a:t>
-            </a:r>
-          </a:p>
-          <a:p>
-            <a:pPr marL="800100" lvl="1" indent="-342900">
-              <a:buFont typeface="Arial" panose="020B0604020202020204" pitchFamily="34" charset="0"/>
-              <a:buChar char="•"/>
-            </a:pPr>
-            <a:r>
-              <a:rPr lang="en-GB" dirty="0"/>
-              <a:t>Retain the original </a:t>
-            </a:r>
-            <a:r>
-              <a:rPr lang="en-GB" dirty="0" err="1"/>
-              <a:t>PersistentID</a:t>
-            </a:r>
-            <a:r>
-              <a:rPr lang="en-GB" dirty="0"/>
-              <a:t> and change the name.</a:t>
-            </a:r>
-          </a:p>
-          <a:p>
-            <a:pPr marL="342900" indent="-342900">
-              <a:buFont typeface="+mj-lt"/>
-              <a:buAutoNum type="arabicPeriod" startAt="4"/>
-            </a:pPr>
-            <a:r>
-              <a:rPr lang="en-GB" dirty="0"/>
-              <a:t>Remove the note and unused nozzle from 20VA001 and update elevation to EL. 400000</a:t>
-            </a:r>
-          </a:p>
-          <a:p>
-            <a:pPr marL="342900" indent="-342900">
-              <a:buFont typeface="+mj-lt"/>
-              <a:buAutoNum type="arabicPeriod" startAt="5"/>
-            </a:pPr>
-            <a:r>
-              <a:rPr lang="en-GB" dirty="0"/>
-              <a:t>Change the type of actuator for HV0001 to a PA006A actuator type</a:t>
-            </a:r>
-          </a:p>
-          <a:p>
-            <a:pPr marL="800100" lvl="1" indent="-342900">
-              <a:buFont typeface="Arial" panose="020B0604020202020204" pitchFamily="34" charset="0"/>
-              <a:buChar char="•"/>
-            </a:pPr>
-            <a:r>
-              <a:rPr lang="en-GB" dirty="0"/>
-              <a:t>Retain </a:t>
-            </a:r>
-            <a:r>
-              <a:rPr lang="en-GB" dirty="0" err="1"/>
-              <a:t>PersistentID</a:t>
-            </a:r>
-            <a:r>
-              <a:rPr lang="en-GB" dirty="0"/>
-              <a:t> of original actuator</a:t>
-            </a:r>
-          </a:p>
-          <a:p>
-            <a:pPr marL="342900" indent="-342900">
-              <a:buFont typeface="+mj-lt"/>
-              <a:buAutoNum type="arabicPeriod" startAt="6"/>
-            </a:pPr>
-            <a:r>
-              <a:rPr lang="en-GB" dirty="0"/>
-              <a:t>Add heat tracing to </a:t>
-            </a:r>
-            <a:r>
-              <a:rPr lang="en-GB" dirty="0" err="1"/>
-              <a:t>PipingNetworkSegment</a:t>
-            </a:r>
-            <a:r>
-              <a:rPr lang="en-GB" dirty="0"/>
-              <a:t> D-20L A- PL-AS200-</a:t>
-            </a:r>
-          </a:p>
-          <a:p>
-            <a:pPr marL="800100" lvl="1" indent="-342900">
-              <a:buFont typeface="Arial" panose="020B0604020202020204" pitchFamily="34" charset="0"/>
-              <a:buChar char="•"/>
-            </a:pPr>
-            <a:r>
-              <a:rPr lang="en-GB" dirty="0"/>
-              <a:t>Modify the heat trace attribute on the segment</a:t>
-            </a:r>
-          </a:p>
-          <a:p>
-            <a:pPr marL="342900" indent="-342900">
-              <a:buFont typeface="+mj-lt"/>
-              <a:buAutoNum type="arabicPeriod" startAt="7"/>
-            </a:pPr>
-            <a:r>
-              <a:rPr lang="en-GB" dirty="0"/>
-              <a:t>Modify TI0007 combination -&gt; TW/TT combination with Special Item on </a:t>
-            </a:r>
-            <a:r>
-              <a:rPr lang="en-GB" dirty="0" err="1"/>
-              <a:t>PipingNetworkSegment</a:t>
-            </a:r>
-            <a:endParaRPr lang="en-GB" dirty="0"/>
-          </a:p>
-          <a:p>
-            <a:pPr marL="800100" lvl="1" indent="-342900">
-              <a:buFont typeface="Arial" panose="020B0604020202020204" pitchFamily="34" charset="0"/>
-              <a:buChar char="•"/>
-            </a:pPr>
-            <a:r>
-              <a:rPr lang="en-GB" dirty="0"/>
-              <a:t>** Use ND0037 ‘hidden’ in-line piping component to give location of special item.</a:t>
-            </a:r>
-          </a:p>
-          <a:p>
-            <a:pPr marL="342900" indent="-342900">
-              <a:buFont typeface="+mj-lt"/>
-              <a:buAutoNum type="arabicPeriod" startAt="8"/>
-            </a:pPr>
-            <a:r>
-              <a:rPr lang="en-GB" dirty="0"/>
-              <a:t>Additional property break at one of the break</a:t>
-            </a:r>
-          </a:p>
-          <a:p>
-            <a:pPr marL="742950" lvl="1" indent="-285750">
-              <a:buFont typeface="Arial" panose="020B0604020202020204" pitchFamily="34" charset="0"/>
-              <a:buChar char="•"/>
-            </a:pPr>
-            <a:r>
-              <a:rPr lang="en-GB" dirty="0"/>
-              <a:t>Add </a:t>
-            </a:r>
-            <a:r>
-              <a:rPr lang="en-GB" dirty="0" err="1"/>
-              <a:t>AreaBreak</a:t>
-            </a:r>
-            <a:r>
-              <a:rPr lang="en-GB" dirty="0"/>
-              <a:t> AP110 / AP310 need to associate these to the </a:t>
-            </a:r>
-            <a:r>
-              <a:rPr lang="en-GB" dirty="0" err="1"/>
-              <a:t>PipingNetworkSystems</a:t>
-            </a:r>
-            <a:endParaRPr lang="en-GB" dirty="0"/>
-          </a:p>
-          <a:p>
-            <a:pPr marL="342900" indent="-342900">
-              <a:buFont typeface="+mj-lt"/>
-              <a:buAutoNum type="arabicPeriod" startAt="9"/>
-            </a:pPr>
-            <a:r>
-              <a:rPr lang="en-GB" dirty="0"/>
-              <a:t>Scale D-20HA001 symbol y-axis scaling 1.25 </a:t>
-            </a:r>
-          </a:p>
-          <a:p>
-            <a:pPr marL="342900" indent="-342900">
-              <a:buFont typeface="+mj-lt"/>
-              <a:buAutoNum type="arabicPeriod" startAt="9"/>
-            </a:pPr>
-            <a:r>
-              <a:rPr lang="en-GB" dirty="0"/>
-              <a:t>Modify pipe lines: </a:t>
-            </a:r>
-            <a:r>
-              <a:rPr lang="en-GB" sz="1800" b="0" i="0" u="none" strike="noStrike" baseline="0" dirty="0"/>
-              <a:t>D-20L00005A-1200PL-AS200-   &amp; D-20L00015A-0800PL-AD750- to test </a:t>
-            </a:r>
-            <a:r>
-              <a:rPr lang="en-GB" sz="1800" b="0" i="0" u="none" strike="noStrike" baseline="0" dirty="0" err="1"/>
-              <a:t>PipingNetworkSegment</a:t>
-            </a:r>
-            <a:r>
-              <a:rPr lang="en-GB" sz="1800" b="0" i="0" u="none" strike="noStrike" baseline="0" dirty="0"/>
-              <a:t> export variants</a:t>
-            </a:r>
-            <a:endParaRPr lang="en-GB" dirty="0"/>
-          </a:p>
-          <a:p>
-            <a:pPr marL="342900" indent="-342900">
-              <a:buFont typeface="+mj-lt"/>
-              <a:buAutoNum type="arabicPeriod" startAt="9"/>
-            </a:pPr>
-            <a:endParaRPr lang="en-GB" dirty="0"/>
-          </a:p>
-          <a:p>
-            <a:pPr marL="342900" indent="-342900">
-              <a:buFont typeface="+mj-lt"/>
-              <a:buAutoNum type="arabicPeriod" startAt="9"/>
-            </a:pPr>
-            <a:endParaRPr lang="en-GB" dirty="0"/>
-          </a:p>
-          <a:p>
-            <a:pPr marL="742950" lvl="1" indent="-285750">
-              <a:buFont typeface="Arial" panose="020B0604020202020204" pitchFamily="34" charset="0"/>
-              <a:buChar char="•"/>
-            </a:pPr>
-            <a:endParaRPr lang="en-GB" dirty="0"/>
-          </a:p>
-        </p:txBody>
-      </p:sp>
-      <p:sp>
-        <p:nvSpPr>
-          <p:cNvPr id="5" name="TextBox 4">
-            <a:extLst>
-              <a:ext uri="{FF2B5EF4-FFF2-40B4-BE49-F238E27FC236}">
-                <a16:creationId xmlns:a16="http://schemas.microsoft.com/office/drawing/2014/main" id="{8407234B-FE84-5E39-6932-685740998FD2}"/>
-              </a:ext>
-            </a:extLst>
-          </p:cNvPr>
-          <p:cNvSpPr txBox="1"/>
-          <p:nvPr/>
-        </p:nvSpPr>
-        <p:spPr>
-          <a:xfrm>
-            <a:off x="419100" y="247650"/>
-            <a:ext cx="11372850" cy="400110"/>
-          </a:xfrm>
-          <a:prstGeom prst="rect">
-            <a:avLst/>
-          </a:prstGeom>
-          <a:noFill/>
-        </p:spPr>
-        <p:txBody>
-          <a:bodyPr wrap="square" rtlCol="0">
-            <a:spAutoFit/>
-          </a:bodyPr>
-          <a:lstStyle/>
-          <a:p>
-            <a:r>
-              <a:rPr lang="en-GB" sz="2000" b="1" dirty="0"/>
-              <a:t>Use Cases – DEXPI 2.0</a:t>
-            </a:r>
           </a:p>
         </p:txBody>
       </p:sp>
     </p:spTree>
     <p:extLst>
       <p:ext uri="{BB962C8B-B14F-4D97-AF65-F5344CB8AC3E}">
-        <p14:creationId xmlns:p14="http://schemas.microsoft.com/office/powerpoint/2010/main" val="2802431492"/>
+        <p14:creationId xmlns:p14="http://schemas.microsoft.com/office/powerpoint/2010/main" val="3157189014"/>
       </p:ext>
     </p:extLst>
   </p:cSld>
@@ -4424,6 +4181,220 @@
 </file>
 
 <file path=ppt/slides/slide10.xml><?xml version="1.0" encoding="utf-8"?>
+<p:sld xmlns:a="http://schemas.openxmlformats.org/drawingml/2006/main" xmlns:r="http://schemas.openxmlformats.org/officeDocument/2006/relationships" xmlns:p="http://schemas.openxmlformats.org/presentationml/2006/main">
+  <p:cSld>
+    <p:spTree>
+      <p:nvGrpSpPr>
+        <p:cNvPr id="1" name=""/>
+        <p:cNvGrpSpPr/>
+        <p:nvPr/>
+      </p:nvGrpSpPr>
+      <p:grpSpPr>
+        <a:xfrm>
+          <a:off x="0" y="0"/>
+          <a:ext cx="0" cy="0"/>
+          <a:chOff x="0" y="0"/>
+          <a:chExt cx="0" cy="0"/>
+        </a:xfrm>
+      </p:grpSpPr>
+      <p:sp>
+        <p:nvSpPr>
+          <p:cNvPr id="3" name="TextBox 2">
+            <a:extLst>
+              <a:ext uri="{FF2B5EF4-FFF2-40B4-BE49-F238E27FC236}">
+                <a16:creationId xmlns:a16="http://schemas.microsoft.com/office/drawing/2014/main" id="{7F5AFCD7-CF64-A7F6-B02F-987454D53E76}"/>
+              </a:ext>
+            </a:extLst>
+          </p:cNvPr>
+          <p:cNvSpPr txBox="1"/>
+          <p:nvPr/>
+        </p:nvSpPr>
+        <p:spPr>
+          <a:xfrm>
+            <a:off x="124051" y="102889"/>
+            <a:ext cx="11607874" cy="646331"/>
+          </a:xfrm>
+          <a:prstGeom prst="rect">
+            <a:avLst/>
+          </a:prstGeom>
+          <a:noFill/>
+        </p:spPr>
+        <p:txBody>
+          <a:bodyPr wrap="square">
+            <a:spAutoFit/>
+          </a:bodyPr>
+          <a:lstStyle/>
+          <a:p>
+            <a:pPr marL="342900" indent="-342900">
+              <a:buFont typeface="+mj-lt"/>
+              <a:buAutoNum type="arabicPeriod" startAt="6"/>
+            </a:pPr>
+            <a:r>
+              <a:rPr lang="en-GB" dirty="0"/>
+              <a:t>Add heat tracing to </a:t>
+            </a:r>
+            <a:r>
+              <a:rPr lang="en-GB" dirty="0" err="1"/>
+              <a:t>PipingNetworkSegment</a:t>
+            </a:r>
+            <a:r>
+              <a:rPr lang="en-GB" dirty="0"/>
+              <a:t> D-20L A- PL-AS200-</a:t>
+            </a:r>
+          </a:p>
+          <a:p>
+            <a:pPr marL="800100" lvl="1" indent="-342900">
+              <a:buFont typeface="Arial" panose="020B0604020202020204" pitchFamily="34" charset="0"/>
+              <a:buChar char="•"/>
+            </a:pPr>
+            <a:r>
+              <a:rPr lang="en-GB" dirty="0"/>
+              <a:t>Modify the heat trace attribute on the segment</a:t>
+            </a:r>
+          </a:p>
+        </p:txBody>
+      </p:sp>
+      <p:graphicFrame>
+        <p:nvGraphicFramePr>
+          <p:cNvPr id="7" name="Table 7">
+            <a:extLst>
+              <a:ext uri="{FF2B5EF4-FFF2-40B4-BE49-F238E27FC236}">
+                <a16:creationId xmlns:a16="http://schemas.microsoft.com/office/drawing/2014/main" id="{122A675D-8A6B-1BF2-70BB-B5522B02FF65}"/>
+              </a:ext>
+            </a:extLst>
+          </p:cNvPr>
+          <p:cNvGraphicFramePr>
+            <a:graphicFrameLocks noGrp="1"/>
+          </p:cNvGraphicFramePr>
+          <p:nvPr/>
+        </p:nvGraphicFramePr>
+        <p:xfrm>
+          <a:off x="307975" y="1191319"/>
+          <a:ext cx="7807325" cy="5257106"/>
+        </p:xfrm>
+        <a:graphic>
+          <a:graphicData uri="http://schemas.openxmlformats.org/drawingml/2006/table">
+            <a:tbl>
+              <a:tblPr firstRow="1" bandRow="1">
+                <a:tableStyleId>{5C22544A-7EE6-4342-B048-85BDC9FD1C3A}</a:tableStyleId>
+              </a:tblPr>
+              <a:tblGrid>
+                <a:gridCol w="7807325">
+                  <a:extLst>
+                    <a:ext uri="{9D8B030D-6E8A-4147-A177-3AD203B41FA5}">
+                      <a16:colId xmlns:a16="http://schemas.microsoft.com/office/drawing/2014/main" val="3422904110"/>
+                    </a:ext>
+                  </a:extLst>
+                </a:gridCol>
+              </a:tblGrid>
+              <a:tr h="5257106">
+                <a:tc>
+                  <a:txBody>
+                    <a:bodyPr/>
+                    <a:lstStyle/>
+                    <a:p>
+                      <a:endParaRPr lang="en-GB" dirty="0"/>
+                    </a:p>
+                  </a:txBody>
+                  <a:tcPr>
+                    <a:lnL w="12700" cap="flat" cmpd="sng" algn="ctr">
+                      <a:solidFill>
+                        <a:schemeClr val="tx1"/>
+                      </a:solidFill>
+                      <a:prstDash val="solid"/>
+                      <a:round/>
+                      <a:headEnd type="none" w="med" len="med"/>
+                      <a:tailEnd type="none" w="med" len="med"/>
+                    </a:lnL>
+                    <a:lnR w="12700" cap="flat" cmpd="sng" algn="ctr">
+                      <a:solidFill>
+                        <a:schemeClr val="tx1"/>
+                      </a:solidFill>
+                      <a:prstDash val="solid"/>
+                      <a:round/>
+                      <a:headEnd type="none" w="med" len="med"/>
+                      <a:tailEnd type="none" w="med" len="med"/>
+                    </a:lnR>
+                    <a:lnT w="12700" cap="flat" cmpd="sng" algn="ctr">
+                      <a:solidFill>
+                        <a:schemeClr val="tx1"/>
+                      </a:solidFill>
+                      <a:prstDash val="solid"/>
+                      <a:round/>
+                      <a:headEnd type="none" w="med" len="med"/>
+                      <a:tailEnd type="none" w="med" len="med"/>
+                    </a:lnT>
+                    <a:lnB w="12700" cap="flat" cmpd="sng" algn="ctr">
+                      <a:solidFill>
+                        <a:schemeClr val="tx1"/>
+                      </a:solidFill>
+                      <a:prstDash val="solid"/>
+                      <a:round/>
+                      <a:headEnd type="none" w="med" len="med"/>
+                      <a:tailEnd type="none" w="med" len="med"/>
+                    </a:lnB>
+                    <a:noFill/>
+                  </a:tcPr>
+                </a:tc>
+                <a:extLst>
+                  <a:ext uri="{0D108BD9-81ED-4DB2-BD59-A6C34878D82A}">
+                    <a16:rowId xmlns:a16="http://schemas.microsoft.com/office/drawing/2014/main" val="1045134656"/>
+                  </a:ext>
+                </a:extLst>
+              </a:tr>
+            </a:tbl>
+          </a:graphicData>
+        </a:graphic>
+      </p:graphicFrame>
+      <p:pic>
+        <p:nvPicPr>
+          <p:cNvPr id="4" name="Picture 3">
+            <a:extLst>
+              <a:ext uri="{FF2B5EF4-FFF2-40B4-BE49-F238E27FC236}">
+                <a16:creationId xmlns:a16="http://schemas.microsoft.com/office/drawing/2014/main" id="{F20F0A5E-4944-40AA-1B35-0CD00244C6CC}"/>
+              </a:ext>
+            </a:extLst>
+          </p:cNvPr>
+          <p:cNvPicPr>
+            <a:picLocks noChangeAspect="1"/>
+          </p:cNvPicPr>
+          <p:nvPr/>
+        </p:nvPicPr>
+        <p:blipFill>
+          <a:blip r:embed="rId2">
+            <a:extLst>
+              <a:ext uri="{28A0092B-C50C-407E-A947-70E740481C1C}">
+                <a14:useLocalDpi xmlns:a14="http://schemas.microsoft.com/office/drawing/2010/main" val="0"/>
+              </a:ext>
+            </a:extLst>
+          </a:blip>
+          <a:srcRect/>
+          <a:stretch/>
+        </p:blipFill>
+        <p:spPr>
+          <a:xfrm>
+            <a:off x="438185" y="1440873"/>
+            <a:ext cx="7515587" cy="4738254"/>
+          </a:xfrm>
+          <a:prstGeom prst="rect">
+            <a:avLst/>
+          </a:prstGeom>
+        </p:spPr>
+      </p:pic>
+    </p:spTree>
+    <p:extLst>
+      <p:ext uri="{BB962C8B-B14F-4D97-AF65-F5344CB8AC3E}">
+        <p14:creationId xmlns:p14="http://schemas.microsoft.com/office/powerpoint/2010/main" val="2621331373"/>
+      </p:ext>
+    </p:extLst>
+  </p:cSld>
+  <p:clrMapOvr>
+    <a:masterClrMapping/>
+  </p:clrMapOvr>
+</p:sld>
+</file>
+
+<file path=ppt/slides/slide11.xml><?xml version="1.0" encoding="utf-8"?>
 <p:sld xmlns:a="http://schemas.openxmlformats.org/drawingml/2006/main" xmlns:r="http://schemas.openxmlformats.org/officeDocument/2006/relationships" xmlns:p="http://schemas.openxmlformats.org/presentationml/2006/main">
   <p:cSld>
     <p:spTree>
@@ -4634,7 +4605,7 @@
 </p:sld>
 </file>
 
-<file path=ppt/slides/slide11.xml><?xml version="1.0" encoding="utf-8"?>
+<file path=ppt/slides/slide12.xml><?xml version="1.0" encoding="utf-8"?>
 <p:sld xmlns:a="http://schemas.openxmlformats.org/drawingml/2006/main" xmlns:r="http://schemas.openxmlformats.org/officeDocument/2006/relationships" xmlns:p="http://schemas.openxmlformats.org/presentationml/2006/main">
   <p:cSld>
     <p:spTree>
@@ -4932,7 +4903,7 @@
 </p:sld>
 </file>
 
-<file path=ppt/slides/slide12.xml><?xml version="1.0" encoding="utf-8"?>
+<file path=ppt/slides/slide13.xml><?xml version="1.0" encoding="utf-8"?>
 <p:sld xmlns:a="http://schemas.openxmlformats.org/drawingml/2006/main" xmlns:r="http://schemas.openxmlformats.org/officeDocument/2006/relationships" xmlns:p="http://schemas.openxmlformats.org/presentationml/2006/main">
   <p:cSld>
     <p:spTree>
@@ -5128,7 +5099,7 @@
 </p:sld>
 </file>
 
-<file path=ppt/slides/slide13.xml><?xml version="1.0" encoding="utf-8"?>
+<file path=ppt/slides/slide14.xml><?xml version="1.0" encoding="utf-8"?>
 <p:sld xmlns:a="http://schemas.openxmlformats.org/drawingml/2006/main" xmlns:r="http://schemas.openxmlformats.org/officeDocument/2006/relationships" xmlns:p="http://schemas.openxmlformats.org/presentationml/2006/main">
   <p:cSld>
     <p:spTree>
@@ -5426,7 +5397,7 @@
 </p:sld>
 </file>
 
-<file path=ppt/slides/slide14.xml><?xml version="1.0" encoding="utf-8"?>
+<file path=ppt/slides/slide15.xml><?xml version="1.0" encoding="utf-8"?>
 <p:sld xmlns:a="http://schemas.openxmlformats.org/drawingml/2006/main" xmlns:r="http://schemas.openxmlformats.org/officeDocument/2006/relationships" xmlns:p="http://schemas.openxmlformats.org/presentationml/2006/main">
   <p:cSld>
     <p:spTree>
@@ -5708,7 +5679,7 @@
 </p:sld>
 </file>
 
-<file path=ppt/slides/slide15.xml><?xml version="1.0" encoding="utf-8"?>
+<file path=ppt/slides/slide16.xml><?xml version="1.0" encoding="utf-8"?>
 <p:sld xmlns:a="http://schemas.openxmlformats.org/drawingml/2006/main" xmlns:r="http://schemas.openxmlformats.org/officeDocument/2006/relationships" xmlns:p="http://schemas.openxmlformats.org/presentationml/2006/main">
   <p:cSld>
     <p:spTree>
@@ -5967,7 +5938,7 @@
 </p:sld>
 </file>
 
-<file path=ppt/slides/slide16.xml><?xml version="1.0" encoding="utf-8"?>
+<file path=ppt/slides/slide17.xml><?xml version="1.0" encoding="utf-8"?>
 <p:sld xmlns:a="http://schemas.openxmlformats.org/drawingml/2006/main" xmlns:r="http://schemas.openxmlformats.org/officeDocument/2006/relationships" xmlns:p="http://schemas.openxmlformats.org/presentationml/2006/main">
   <p:cSld>
     <p:spTree>
@@ -6236,6 +6207,365 @@
   <p:cSld>
     <p:spTree>
       <p:nvGrpSpPr>
+        <p:cNvPr id="1" name=""/>
+        <p:cNvGrpSpPr/>
+        <p:nvPr/>
+      </p:nvGrpSpPr>
+      <p:grpSpPr>
+        <a:xfrm>
+          <a:off x="0" y="0"/>
+          <a:ext cx="0" cy="0"/>
+          <a:chOff x="0" y="0"/>
+          <a:chExt cx="0" cy="0"/>
+        </a:xfrm>
+      </p:grpSpPr>
+      <p:sp>
+        <p:nvSpPr>
+          <p:cNvPr id="2" name="TextBox 1">
+            <a:extLst>
+              <a:ext uri="{FF2B5EF4-FFF2-40B4-BE49-F238E27FC236}">
+                <a16:creationId xmlns:a16="http://schemas.microsoft.com/office/drawing/2014/main" id="{EC1D67A0-CE70-2409-0828-725C3A5B6DFC}"/>
+              </a:ext>
+            </a:extLst>
+          </p:cNvPr>
+          <p:cNvSpPr txBox="1"/>
+          <p:nvPr/>
+        </p:nvSpPr>
+        <p:spPr>
+          <a:xfrm>
+            <a:off x="419100" y="740122"/>
+            <a:ext cx="11216639" cy="5909310"/>
+          </a:xfrm>
+          <a:prstGeom prst="rect">
+            <a:avLst/>
+          </a:prstGeom>
+          <a:noFill/>
+        </p:spPr>
+        <p:txBody>
+          <a:bodyPr wrap="square" rtlCol="0">
+            <a:spAutoFit/>
+          </a:bodyPr>
+          <a:lstStyle/>
+          <a:p>
+            <a:pPr marL="342900" indent="-342900">
+              <a:buFont typeface="+mj-lt"/>
+              <a:buAutoNum type="arabicPeriod"/>
+            </a:pPr>
+            <a:r>
+              <a:rPr lang="en-GB" dirty="0"/>
+              <a:t>Base </a:t>
+            </a:r>
+            <a:r>
+              <a:rPr lang="en-GB" dirty="0" err="1"/>
+              <a:t>BluePrint</a:t>
+            </a:r>
+            <a:r>
+              <a:rPr lang="en-GB" dirty="0"/>
+              <a:t> File</a:t>
+            </a:r>
+          </a:p>
+          <a:p>
+            <a:pPr marL="800100" lvl="1" indent="-342900">
+              <a:buFont typeface="Arial" panose="020B0604020202020204" pitchFamily="34" charset="0"/>
+              <a:buChar char="•"/>
+            </a:pPr>
+            <a:r>
+              <a:rPr lang="en-GB" dirty="0"/>
+              <a:t>Safety elements ESV, PSD, ESD, LST mapped as </a:t>
+            </a:r>
+            <a:r>
+              <a:rPr lang="en-GB"/>
+              <a:t>ProcessSafetyFunction</a:t>
+            </a:r>
+            <a:endParaRPr lang="en-GB" dirty="0"/>
+          </a:p>
+          <a:p>
+            <a:pPr marL="342900" indent="-342900">
+              <a:buFont typeface="+mj-lt"/>
+              <a:buAutoNum type="arabicPeriod" startAt="2"/>
+            </a:pPr>
+            <a:r>
+              <a:rPr lang="en-GB" dirty="0"/>
+              <a:t>Split DEXPI </a:t>
+            </a:r>
+            <a:r>
+              <a:rPr lang="en-GB" dirty="0" err="1"/>
+              <a:t>PipingNetworkSegment</a:t>
+            </a:r>
+            <a:r>
+              <a:rPr lang="en-GB" dirty="0"/>
+              <a:t> with a piping tee. E.g. split D-20L00004A DEXPI </a:t>
+            </a:r>
+            <a:r>
+              <a:rPr lang="en-GB" dirty="0" err="1"/>
+              <a:t>PipingNetworkSegment</a:t>
+            </a:r>
+            <a:r>
+              <a:rPr lang="en-GB" dirty="0"/>
+              <a:t> by placing a piping tee between the ESV0006 actuated valve and the FE0001 element and include an unnamed valve.</a:t>
+            </a:r>
+          </a:p>
+          <a:p>
+            <a:pPr marL="342900" indent="-342900">
+              <a:buFont typeface="+mj-lt"/>
+              <a:buAutoNum type="arabicPeriod" startAt="3"/>
+            </a:pPr>
+            <a:r>
+              <a:rPr lang="en-GB" dirty="0"/>
+              <a:t>Rename TI0003/TIC0003/TV0003 to TI0013/TIC0013/TV0013 and update associated loop.</a:t>
+            </a:r>
+          </a:p>
+          <a:p>
+            <a:pPr marL="800100" lvl="1" indent="-342900">
+              <a:buFont typeface="Arial" panose="020B0604020202020204" pitchFamily="34" charset="0"/>
+              <a:buChar char="•"/>
+            </a:pPr>
+            <a:r>
+              <a:rPr lang="en-GB" dirty="0"/>
+              <a:t>Retain the original </a:t>
+            </a:r>
+            <a:r>
+              <a:rPr lang="en-GB" dirty="0" err="1"/>
+              <a:t>PersistentID</a:t>
+            </a:r>
+            <a:r>
+              <a:rPr lang="en-GB" dirty="0"/>
+              <a:t> and change the name.</a:t>
+            </a:r>
+          </a:p>
+          <a:p>
+            <a:pPr marL="342900" indent="-342900">
+              <a:buFont typeface="+mj-lt"/>
+              <a:buAutoNum type="arabicPeriod" startAt="4"/>
+            </a:pPr>
+            <a:r>
+              <a:rPr lang="en-GB" dirty="0"/>
+              <a:t>Remove the note and unused nozzle from 20VA001 and update elevation to EL. 400000</a:t>
+            </a:r>
+          </a:p>
+          <a:p>
+            <a:pPr marL="342900" indent="-342900">
+              <a:buFont typeface="+mj-lt"/>
+              <a:buAutoNum type="arabicPeriod" startAt="5"/>
+            </a:pPr>
+            <a:r>
+              <a:rPr lang="en-GB" dirty="0"/>
+              <a:t>Change the type of actuator for HV0001 to a PA006A actuator type</a:t>
+            </a:r>
+          </a:p>
+          <a:p>
+            <a:pPr marL="800100" lvl="1" indent="-342900">
+              <a:buFont typeface="Arial" panose="020B0604020202020204" pitchFamily="34" charset="0"/>
+              <a:buChar char="•"/>
+            </a:pPr>
+            <a:r>
+              <a:rPr lang="en-GB" dirty="0"/>
+              <a:t>Retain </a:t>
+            </a:r>
+            <a:r>
+              <a:rPr lang="en-GB" dirty="0" err="1"/>
+              <a:t>PersistentID</a:t>
+            </a:r>
+            <a:r>
+              <a:rPr lang="en-GB" dirty="0"/>
+              <a:t> of original actuator</a:t>
+            </a:r>
+          </a:p>
+          <a:p>
+            <a:pPr marL="342900" indent="-342900">
+              <a:buFont typeface="+mj-lt"/>
+              <a:buAutoNum type="arabicPeriod" startAt="6"/>
+            </a:pPr>
+            <a:r>
+              <a:rPr lang="en-GB" dirty="0"/>
+              <a:t>Add heat tracing to </a:t>
+            </a:r>
+            <a:r>
+              <a:rPr lang="en-GB" dirty="0" err="1"/>
+              <a:t>PipingNetworkSegment</a:t>
+            </a:r>
+            <a:r>
+              <a:rPr lang="en-GB" dirty="0"/>
+              <a:t> D-20L A- PL-AS200-</a:t>
+            </a:r>
+          </a:p>
+          <a:p>
+            <a:pPr marL="800100" lvl="1" indent="-342900">
+              <a:buFont typeface="Arial" panose="020B0604020202020204" pitchFamily="34" charset="0"/>
+              <a:buChar char="•"/>
+            </a:pPr>
+            <a:r>
+              <a:rPr lang="en-GB" dirty="0"/>
+              <a:t>Modify the heat trace attribute on the segment</a:t>
+            </a:r>
+          </a:p>
+          <a:p>
+            <a:pPr marL="342900" indent="-342900">
+              <a:buFont typeface="+mj-lt"/>
+              <a:buAutoNum type="arabicPeriod" startAt="7"/>
+            </a:pPr>
+            <a:r>
+              <a:rPr lang="en-GB" dirty="0"/>
+              <a:t>Modify TI0007 combination -&gt; TW/TT combination with Special Item on </a:t>
+            </a:r>
+            <a:r>
+              <a:rPr lang="en-GB" dirty="0" err="1"/>
+              <a:t>PipingNetworkSegment</a:t>
+            </a:r>
+            <a:endParaRPr lang="en-GB" dirty="0"/>
+          </a:p>
+          <a:p>
+            <a:pPr marL="800100" lvl="1" indent="-342900">
+              <a:buFont typeface="Arial" panose="020B0604020202020204" pitchFamily="34" charset="0"/>
+              <a:buChar char="•"/>
+            </a:pPr>
+            <a:r>
+              <a:rPr lang="en-GB" dirty="0"/>
+              <a:t>** Use ND0037 ‘hidden’ in-line piping component to give location of special item.</a:t>
+            </a:r>
+          </a:p>
+          <a:p>
+            <a:pPr marL="342900" indent="-342900">
+              <a:buFont typeface="+mj-lt"/>
+              <a:buAutoNum type="arabicPeriod" startAt="8"/>
+            </a:pPr>
+            <a:r>
+              <a:rPr lang="en-GB" dirty="0"/>
+              <a:t>Additional property break at one of the break</a:t>
+            </a:r>
+          </a:p>
+          <a:p>
+            <a:pPr marL="742950" lvl="1" indent="-285750">
+              <a:buFont typeface="Arial" panose="020B0604020202020204" pitchFamily="34" charset="0"/>
+              <a:buChar char="•"/>
+            </a:pPr>
+            <a:r>
+              <a:rPr lang="en-GB" dirty="0"/>
+              <a:t>Add </a:t>
+            </a:r>
+            <a:r>
+              <a:rPr lang="en-GB" dirty="0" err="1"/>
+              <a:t>AreaBreak</a:t>
+            </a:r>
+            <a:r>
+              <a:rPr lang="en-GB" dirty="0"/>
+              <a:t> AP110 / AP310 need to associate these to the </a:t>
+            </a:r>
+            <a:r>
+              <a:rPr lang="en-GB" dirty="0" err="1"/>
+              <a:t>PipingNetworkSystems</a:t>
+            </a:r>
+            <a:endParaRPr lang="en-GB" dirty="0"/>
+          </a:p>
+          <a:p>
+            <a:pPr marL="342900" indent="-342900">
+              <a:buFont typeface="+mj-lt"/>
+              <a:buAutoNum type="arabicPeriod" startAt="9"/>
+            </a:pPr>
+            <a:r>
+              <a:rPr lang="en-GB" dirty="0"/>
+              <a:t>Scale D-20HA001 symbol y-axis scaling 1.25 </a:t>
+            </a:r>
+          </a:p>
+          <a:p>
+            <a:pPr marL="342900" indent="-342900">
+              <a:buFont typeface="+mj-lt"/>
+              <a:buAutoNum type="arabicPeriod" startAt="9"/>
+            </a:pPr>
+            <a:r>
+              <a:rPr lang="en-GB" dirty="0"/>
+              <a:t>Modify pipe lines: </a:t>
+            </a:r>
+            <a:r>
+              <a:rPr lang="en-GB" sz="1800" b="0" i="0" u="none" strike="noStrike" baseline="0" dirty="0"/>
+              <a:t>D-20L00005A-1200PL-AS200-   &amp; D-20L00015A-0800PL-AD750- to test </a:t>
+            </a:r>
+            <a:r>
+              <a:rPr lang="en-GB" sz="1800" b="0" i="0" u="none" strike="noStrike" baseline="0" dirty="0" err="1"/>
+              <a:t>PipingNetworkSegment</a:t>
+            </a:r>
+            <a:r>
+              <a:rPr lang="en-GB" sz="1800" b="0" i="0" u="none" strike="noStrike" baseline="0" dirty="0"/>
+              <a:t> export variants</a:t>
+            </a:r>
+            <a:endParaRPr lang="en-GB" dirty="0"/>
+          </a:p>
+          <a:p>
+            <a:pPr marL="342900" indent="-342900">
+              <a:buFont typeface="+mj-lt"/>
+              <a:buAutoNum type="arabicPeriod" startAt="9"/>
+            </a:pPr>
+            <a:endParaRPr lang="en-GB" dirty="0"/>
+          </a:p>
+          <a:p>
+            <a:pPr marL="342900" indent="-342900">
+              <a:buFont typeface="+mj-lt"/>
+              <a:buAutoNum type="arabicPeriod" startAt="9"/>
+            </a:pPr>
+            <a:endParaRPr lang="en-GB" dirty="0"/>
+          </a:p>
+          <a:p>
+            <a:pPr marL="742950" lvl="1" indent="-285750">
+              <a:buFont typeface="Arial" panose="020B0604020202020204" pitchFamily="34" charset="0"/>
+              <a:buChar char="•"/>
+            </a:pPr>
+            <a:endParaRPr lang="en-GB" dirty="0"/>
+          </a:p>
+        </p:txBody>
+      </p:sp>
+      <p:sp>
+        <p:nvSpPr>
+          <p:cNvPr id="5" name="TextBox 4">
+            <a:extLst>
+              <a:ext uri="{FF2B5EF4-FFF2-40B4-BE49-F238E27FC236}">
+                <a16:creationId xmlns:a16="http://schemas.microsoft.com/office/drawing/2014/main" id="{8407234B-FE84-5E39-6932-685740998FD2}"/>
+              </a:ext>
+            </a:extLst>
+          </p:cNvPr>
+          <p:cNvSpPr txBox="1"/>
+          <p:nvPr/>
+        </p:nvSpPr>
+        <p:spPr>
+          <a:xfrm>
+            <a:off x="419100" y="247650"/>
+            <a:ext cx="11372850" cy="400110"/>
+          </a:xfrm>
+          <a:prstGeom prst="rect">
+            <a:avLst/>
+          </a:prstGeom>
+          <a:noFill/>
+        </p:spPr>
+        <p:txBody>
+          <a:bodyPr wrap="square" rtlCol="0">
+            <a:spAutoFit/>
+          </a:bodyPr>
+          <a:lstStyle/>
+          <a:p>
+            <a:r>
+              <a:rPr lang="en-GB" sz="2000" b="1" dirty="0"/>
+              <a:t>Use Cases – DEXPI 2.0</a:t>
+            </a:r>
+          </a:p>
+        </p:txBody>
+      </p:sp>
+    </p:spTree>
+    <p:extLst>
+      <p:ext uri="{BB962C8B-B14F-4D97-AF65-F5344CB8AC3E}">
+        <p14:creationId xmlns:p14="http://schemas.microsoft.com/office/powerpoint/2010/main" val="2802431492"/>
+      </p:ext>
+    </p:extLst>
+  </p:cSld>
+  <p:clrMapOvr>
+    <a:masterClrMapping/>
+  </p:clrMapOvr>
+</p:sld>
+</file>
+
+<file path=ppt/slides/slide3.xml><?xml version="1.0" encoding="utf-8"?>
+<p:sld xmlns:a="http://schemas.openxmlformats.org/drawingml/2006/main" xmlns:r="http://schemas.openxmlformats.org/officeDocument/2006/relationships" xmlns:p="http://schemas.openxmlformats.org/presentationml/2006/main">
+  <p:cSld>
+    <p:spTree>
+      <p:nvGrpSpPr>
         <p:cNvPr id="1" name="">
           <a:extLst>
             <a:ext uri="{FF2B5EF4-FFF2-40B4-BE49-F238E27FC236}">
@@ -6425,7 +6755,7 @@
 </p:sld>
 </file>
 
-<file path=ppt/slides/slide3.xml><?xml version="1.0" encoding="utf-8"?>
+<file path=ppt/slides/slide4.xml><?xml version="1.0" encoding="utf-8"?>
 <p:sld xmlns:a="http://schemas.openxmlformats.org/drawingml/2006/main" xmlns:r="http://schemas.openxmlformats.org/officeDocument/2006/relationships" xmlns:p="http://schemas.openxmlformats.org/presentationml/2006/main">
   <p:cSld>
     <p:spTree>
@@ -6520,7 +6850,7 @@
 </p:sld>
 </file>
 
-<file path=ppt/slides/slide4.xml><?xml version="1.0" encoding="utf-8"?>
+<file path=ppt/slides/slide5.xml><?xml version="1.0" encoding="utf-8"?>
 <p:sld xmlns:a="http://schemas.openxmlformats.org/drawingml/2006/main" xmlns:r="http://schemas.openxmlformats.org/officeDocument/2006/relationships" xmlns:p="http://schemas.openxmlformats.org/presentationml/2006/main">
   <p:cSld>
     <p:spTree>
@@ -6730,7 +7060,7 @@
 </p:sld>
 </file>
 
-<file path=ppt/slides/slide5.xml><?xml version="1.0" encoding="utf-8"?>
+<file path=ppt/slides/slide6.xml><?xml version="1.0" encoding="utf-8"?>
 <p:sld xmlns:a="http://schemas.openxmlformats.org/drawingml/2006/main" xmlns:r="http://schemas.openxmlformats.org/officeDocument/2006/relationships" xmlns:p="http://schemas.openxmlformats.org/presentationml/2006/main">
   <p:cSld>
     <p:spTree>
@@ -6942,7 +7272,7 @@
 </p:sld>
 </file>
 
-<file path=ppt/slides/slide6.xml><?xml version="1.0" encoding="utf-8"?>
+<file path=ppt/slides/slide7.xml><?xml version="1.0" encoding="utf-8"?>
 <p:sld xmlns:a="http://schemas.openxmlformats.org/drawingml/2006/main" xmlns:r="http://schemas.openxmlformats.org/officeDocument/2006/relationships" xmlns:p="http://schemas.openxmlformats.org/presentationml/2006/main">
   <p:cSld>
     <p:spTree>
@@ -7156,7 +7486,7 @@
 </p:sld>
 </file>
 
-<file path=ppt/slides/slide7.xml><?xml version="1.0" encoding="utf-8"?>
+<file path=ppt/slides/slide8.xml><?xml version="1.0" encoding="utf-8"?>
 <p:sld xmlns:a="http://schemas.openxmlformats.org/drawingml/2006/main" xmlns:r="http://schemas.openxmlformats.org/officeDocument/2006/relationships" xmlns:p="http://schemas.openxmlformats.org/presentationml/2006/main">
   <p:cSld>
     <p:spTree>
@@ -7352,7 +7682,7 @@
 </p:sld>
 </file>
 
-<file path=ppt/slides/slide8.xml><?xml version="1.0" encoding="utf-8"?>
+<file path=ppt/slides/slide9.xml><?xml version="1.0" encoding="utf-8"?>
 <p:sld xmlns:a="http://schemas.openxmlformats.org/drawingml/2006/main" xmlns:r="http://schemas.openxmlformats.org/officeDocument/2006/relationships" xmlns:p="http://schemas.openxmlformats.org/presentationml/2006/main">
   <p:cSld>
     <p:spTree>
@@ -7557,220 +7887,6 @@
     <p:extLst>
       <p:ext uri="{BB962C8B-B14F-4D97-AF65-F5344CB8AC3E}">
         <p14:creationId xmlns:p14="http://schemas.microsoft.com/office/powerpoint/2010/main" val="1232242120"/>
-      </p:ext>
-    </p:extLst>
-  </p:cSld>
-  <p:clrMapOvr>
-    <a:masterClrMapping/>
-  </p:clrMapOvr>
-</p:sld>
-</file>
-
-<file path=ppt/slides/slide9.xml><?xml version="1.0" encoding="utf-8"?>
-<p:sld xmlns:a="http://schemas.openxmlformats.org/drawingml/2006/main" xmlns:r="http://schemas.openxmlformats.org/officeDocument/2006/relationships" xmlns:p="http://schemas.openxmlformats.org/presentationml/2006/main">
-  <p:cSld>
-    <p:spTree>
-      <p:nvGrpSpPr>
-        <p:cNvPr id="1" name=""/>
-        <p:cNvGrpSpPr/>
-        <p:nvPr/>
-      </p:nvGrpSpPr>
-      <p:grpSpPr>
-        <a:xfrm>
-          <a:off x="0" y="0"/>
-          <a:ext cx="0" cy="0"/>
-          <a:chOff x="0" y="0"/>
-          <a:chExt cx="0" cy="0"/>
-        </a:xfrm>
-      </p:grpSpPr>
-      <p:sp>
-        <p:nvSpPr>
-          <p:cNvPr id="3" name="TextBox 2">
-            <a:extLst>
-              <a:ext uri="{FF2B5EF4-FFF2-40B4-BE49-F238E27FC236}">
-                <a16:creationId xmlns:a16="http://schemas.microsoft.com/office/drawing/2014/main" id="{7F5AFCD7-CF64-A7F6-B02F-987454D53E76}"/>
-              </a:ext>
-            </a:extLst>
-          </p:cNvPr>
-          <p:cNvSpPr txBox="1"/>
-          <p:nvPr/>
-        </p:nvSpPr>
-        <p:spPr>
-          <a:xfrm>
-            <a:off x="124051" y="102889"/>
-            <a:ext cx="11607874" cy="646331"/>
-          </a:xfrm>
-          <a:prstGeom prst="rect">
-            <a:avLst/>
-          </a:prstGeom>
-          <a:noFill/>
-        </p:spPr>
-        <p:txBody>
-          <a:bodyPr wrap="square">
-            <a:spAutoFit/>
-          </a:bodyPr>
-          <a:lstStyle/>
-          <a:p>
-            <a:pPr marL="342900" indent="-342900">
-              <a:buFont typeface="+mj-lt"/>
-              <a:buAutoNum type="arabicPeriod" startAt="6"/>
-            </a:pPr>
-            <a:r>
-              <a:rPr lang="en-GB" dirty="0"/>
-              <a:t>Add heat tracing to </a:t>
-            </a:r>
-            <a:r>
-              <a:rPr lang="en-GB" dirty="0" err="1"/>
-              <a:t>PipingNetworkSegment</a:t>
-            </a:r>
-            <a:r>
-              <a:rPr lang="en-GB" dirty="0"/>
-              <a:t> D-20L A- PL-AS200-</a:t>
-            </a:r>
-          </a:p>
-          <a:p>
-            <a:pPr marL="800100" lvl="1" indent="-342900">
-              <a:buFont typeface="Arial" panose="020B0604020202020204" pitchFamily="34" charset="0"/>
-              <a:buChar char="•"/>
-            </a:pPr>
-            <a:r>
-              <a:rPr lang="en-GB" dirty="0"/>
-              <a:t>Modify the heat trace attribute on the segment</a:t>
-            </a:r>
-          </a:p>
-        </p:txBody>
-      </p:sp>
-      <p:graphicFrame>
-        <p:nvGraphicFramePr>
-          <p:cNvPr id="7" name="Table 7">
-            <a:extLst>
-              <a:ext uri="{FF2B5EF4-FFF2-40B4-BE49-F238E27FC236}">
-                <a16:creationId xmlns:a16="http://schemas.microsoft.com/office/drawing/2014/main" id="{122A675D-8A6B-1BF2-70BB-B5522B02FF65}"/>
-              </a:ext>
-            </a:extLst>
-          </p:cNvPr>
-          <p:cNvGraphicFramePr>
-            <a:graphicFrameLocks noGrp="1"/>
-          </p:cNvGraphicFramePr>
-          <p:nvPr/>
-        </p:nvGraphicFramePr>
-        <p:xfrm>
-          <a:off x="307975" y="1191319"/>
-          <a:ext cx="7807325" cy="5257106"/>
-        </p:xfrm>
-        <a:graphic>
-          <a:graphicData uri="http://schemas.openxmlformats.org/drawingml/2006/table">
-            <a:tbl>
-              <a:tblPr firstRow="1" bandRow="1">
-                <a:tableStyleId>{5C22544A-7EE6-4342-B048-85BDC9FD1C3A}</a:tableStyleId>
-              </a:tblPr>
-              <a:tblGrid>
-                <a:gridCol w="7807325">
-                  <a:extLst>
-                    <a:ext uri="{9D8B030D-6E8A-4147-A177-3AD203B41FA5}">
-                      <a16:colId xmlns:a16="http://schemas.microsoft.com/office/drawing/2014/main" val="3422904110"/>
-                    </a:ext>
-                  </a:extLst>
-                </a:gridCol>
-              </a:tblGrid>
-              <a:tr h="5257106">
-                <a:tc>
-                  <a:txBody>
-                    <a:bodyPr/>
-                    <a:lstStyle/>
-                    <a:p>
-                      <a:endParaRPr lang="en-GB" dirty="0"/>
-                    </a:p>
-                  </a:txBody>
-                  <a:tcPr>
-                    <a:lnL w="12700" cap="flat" cmpd="sng" algn="ctr">
-                      <a:solidFill>
-                        <a:schemeClr val="tx1"/>
-                      </a:solidFill>
-                      <a:prstDash val="solid"/>
-                      <a:round/>
-                      <a:headEnd type="none" w="med" len="med"/>
-                      <a:tailEnd type="none" w="med" len="med"/>
-                    </a:lnL>
-                    <a:lnR w="12700" cap="flat" cmpd="sng" algn="ctr">
-                      <a:solidFill>
-                        <a:schemeClr val="tx1"/>
-                      </a:solidFill>
-                      <a:prstDash val="solid"/>
-                      <a:round/>
-                      <a:headEnd type="none" w="med" len="med"/>
-                      <a:tailEnd type="none" w="med" len="med"/>
-                    </a:lnR>
-                    <a:lnT w="12700" cap="flat" cmpd="sng" algn="ctr">
-                      <a:solidFill>
-                        <a:schemeClr val="tx1"/>
-                      </a:solidFill>
-                      <a:prstDash val="solid"/>
-                      <a:round/>
-                      <a:headEnd type="none" w="med" len="med"/>
-                      <a:tailEnd type="none" w="med" len="med"/>
-                    </a:lnT>
-                    <a:lnB w="12700" cap="flat" cmpd="sng" algn="ctr">
-                      <a:solidFill>
-                        <a:schemeClr val="tx1"/>
-                      </a:solidFill>
-                      <a:prstDash val="solid"/>
-                      <a:round/>
-                      <a:headEnd type="none" w="med" len="med"/>
-                      <a:tailEnd type="none" w="med" len="med"/>
-                    </a:lnB>
-                    <a:noFill/>
-                  </a:tcPr>
-                </a:tc>
-                <a:extLst>
-                  <a:ext uri="{0D108BD9-81ED-4DB2-BD59-A6C34878D82A}">
-                    <a16:rowId xmlns:a16="http://schemas.microsoft.com/office/drawing/2014/main" val="1045134656"/>
-                  </a:ext>
-                </a:extLst>
-              </a:tr>
-            </a:tbl>
-          </a:graphicData>
-        </a:graphic>
-      </p:graphicFrame>
-      <p:pic>
-        <p:nvPicPr>
-          <p:cNvPr id="4" name="Picture 3">
-            <a:extLst>
-              <a:ext uri="{FF2B5EF4-FFF2-40B4-BE49-F238E27FC236}">
-                <a16:creationId xmlns:a16="http://schemas.microsoft.com/office/drawing/2014/main" id="{F20F0A5E-4944-40AA-1B35-0CD00244C6CC}"/>
-              </a:ext>
-            </a:extLst>
-          </p:cNvPr>
-          <p:cNvPicPr>
-            <a:picLocks noChangeAspect="1"/>
-          </p:cNvPicPr>
-          <p:nvPr/>
-        </p:nvPicPr>
-        <p:blipFill>
-          <a:blip r:embed="rId2">
-            <a:extLst>
-              <a:ext uri="{28A0092B-C50C-407E-A947-70E740481C1C}">
-                <a14:useLocalDpi xmlns:a14="http://schemas.microsoft.com/office/drawing/2010/main" val="0"/>
-              </a:ext>
-            </a:extLst>
-          </a:blip>
-          <a:srcRect/>
-          <a:stretch/>
-        </p:blipFill>
-        <p:spPr>
-          <a:xfrm>
-            <a:off x="438185" y="1440873"/>
-            <a:ext cx="7515587" cy="4738254"/>
-          </a:xfrm>
-          <a:prstGeom prst="rect">
-            <a:avLst/>
-          </a:prstGeom>
-        </p:spPr>
-      </p:pic>
-    </p:spTree>
-    <p:extLst>
-      <p:ext uri="{BB962C8B-B14F-4D97-AF65-F5344CB8AC3E}">
-        <p14:creationId xmlns:p14="http://schemas.microsoft.com/office/powerpoint/2010/main" val="2621331373"/>
       </p:ext>
     </p:extLst>
   </p:cSld>

--- a/Blueprint/UseCases_PersistenID.pptx
+++ b/Blueprint/UseCases_PersistenID.pptx
@@ -4098,16 +4098,23 @@
             <p:ph type="title"/>
           </p:nvPr>
         </p:nvSpPr>
-        <p:spPr/>
+        <p:spPr>
+          <a:xfrm>
+            <a:off x="838200" y="365126"/>
+            <a:ext cx="10515600" cy="734002"/>
+          </a:xfrm>
+        </p:spPr>
         <p:txBody>
-          <a:bodyPr/>
+          <a:bodyPr>
+            <a:normAutofit/>
+          </a:bodyPr>
           <a:lstStyle/>
           <a:p>
             <a:r>
-              <a:rPr lang="nb-NO" dirty="0"/>
+              <a:rPr lang="nb-NO" sz="3200" b="1" dirty="0"/>
               <a:t>DISC DEXPI Blueprint use cases</a:t>
             </a:r>
-            <a:endParaRPr lang="en-GB" dirty="0"/>
+            <a:endParaRPr lang="en-GB" sz="3200" b="1" dirty="0"/>
           </a:p>
         </p:txBody>
       </p:sp>
@@ -4127,16 +4134,32 @@
             <p:ph idx="1"/>
           </p:nvPr>
         </p:nvSpPr>
-        <p:spPr/>
+        <p:spPr>
+          <a:xfrm>
+            <a:off x="838200" y="1099128"/>
+            <a:ext cx="5525655" cy="4351338"/>
+          </a:xfrm>
+        </p:spPr>
         <p:txBody>
-          <a:bodyPr/>
+          <a:bodyPr>
+            <a:normAutofit/>
+          </a:bodyPr>
           <a:lstStyle/>
           <a:p>
             <a:pPr marL="0" indent="0">
               <a:buNone/>
             </a:pPr>
             <a:r>
-              <a:rPr lang="nb-NO" dirty="0"/>
+              <a:rPr lang="nb-NO" sz="1400" dirty="0"/>
+              <a:t>The Blueprint files were initially created as an aid to the CAD tool DEXPI programming work. These files were then extended with ‘versions’ to include minor drafting updates so that the requirements for Persistent ID usage could be tested (Ref: Table 1)</a:t>
+            </a:r>
+          </a:p>
+          <a:p>
+            <a:pPr marL="0" indent="0">
+              <a:buNone/>
+            </a:pPr>
+            <a:r>
+              <a:rPr lang="nb-NO" sz="1400" dirty="0"/>
               <a:t>This document gives an overview of the Blueprint use case versions:</a:t>
             </a:r>
           </a:p>
@@ -4146,7 +4169,7 @@
               <a:buChar char="-"/>
             </a:pPr>
             <a:r>
-              <a:rPr lang="nb-NO" dirty="0"/>
+              <a:rPr lang="nb-NO" sz="1400" dirty="0"/>
               <a:t>what is changed between versions</a:t>
             </a:r>
           </a:p>
@@ -4156,14 +4179,2502 @@
               <a:buChar char="-"/>
             </a:pPr>
             <a:r>
-              <a:rPr lang="nb-NO"/>
-              <a:t>naming </a:t>
-            </a:r>
-            <a:r>
-              <a:rPr lang="nb-NO" dirty="0"/>
-              <a:t>convention use for Blueprint ‘sets’ and versions</a:t>
-            </a:r>
-            <a:endParaRPr lang="en-GB" dirty="0"/>
+              <a:rPr lang="nb-NO" sz="1400" dirty="0"/>
+              <a:t>naming convention use for Blueprint ‘sets’ and versions</a:t>
+            </a:r>
+            <a:endParaRPr lang="en-GB" sz="1400" dirty="0"/>
+          </a:p>
+        </p:txBody>
+      </p:sp>
+      <p:graphicFrame>
+        <p:nvGraphicFramePr>
+          <p:cNvPr id="4" name="Table 3">
+            <a:extLst>
+              <a:ext uri="{FF2B5EF4-FFF2-40B4-BE49-F238E27FC236}">
+                <a16:creationId xmlns:a16="http://schemas.microsoft.com/office/drawing/2014/main" id="{81A44B9C-3D74-E5A7-84B1-AD7BDB4DD246}"/>
+              </a:ext>
+            </a:extLst>
+          </p:cNvPr>
+          <p:cNvGraphicFramePr>
+            <a:graphicFrameLocks noGrp="1"/>
+          </p:cNvGraphicFramePr>
+          <p:nvPr>
+            <p:extLst>
+              <p:ext uri="{D42A27DB-BD31-4B8C-83A1-F6EECF244321}">
+                <p14:modId xmlns:p14="http://schemas.microsoft.com/office/powerpoint/2010/main" val="581867096"/>
+              </p:ext>
+            </p:extLst>
+          </p:nvPr>
+        </p:nvGraphicFramePr>
+        <p:xfrm>
+          <a:off x="6607560" y="1099128"/>
+          <a:ext cx="5405389" cy="4351327"/>
+        </p:xfrm>
+        <a:graphic>
+          <a:graphicData uri="http://schemas.openxmlformats.org/drawingml/2006/table">
+            <a:tbl>
+              <a:tblPr firstRow="1" firstCol="1" bandRow="1">
+                <a:tableStyleId>{5C22544A-7EE6-4342-B048-85BDC9FD1C3A}</a:tableStyleId>
+              </a:tblPr>
+              <a:tblGrid>
+                <a:gridCol w="1540536">
+                  <a:extLst>
+                    <a:ext uri="{9D8B030D-6E8A-4147-A177-3AD203B41FA5}">
+                      <a16:colId xmlns:a16="http://schemas.microsoft.com/office/drawing/2014/main" val="1429521337"/>
+                    </a:ext>
+                  </a:extLst>
+                </a:gridCol>
+                <a:gridCol w="2756748">
+                  <a:extLst>
+                    <a:ext uri="{9D8B030D-6E8A-4147-A177-3AD203B41FA5}">
+                      <a16:colId xmlns:a16="http://schemas.microsoft.com/office/drawing/2014/main" val="505578622"/>
+                    </a:ext>
+                  </a:extLst>
+                </a:gridCol>
+                <a:gridCol w="1108105">
+                  <a:extLst>
+                    <a:ext uri="{9D8B030D-6E8A-4147-A177-3AD203B41FA5}">
+                      <a16:colId xmlns:a16="http://schemas.microsoft.com/office/drawing/2014/main" val="1598654004"/>
+                    </a:ext>
+                  </a:extLst>
+                </a:gridCol>
+              </a:tblGrid>
+              <a:tr h="141891">
+                <a:tc>
+                  <a:txBody>
+                    <a:bodyPr/>
+                    <a:lstStyle/>
+                    <a:p>
+                      <a:pPr>
+                        <a:spcBef>
+                          <a:spcPts val="1200"/>
+                        </a:spcBef>
+                        <a:buNone/>
+                      </a:pPr>
+                      <a:r>
+                        <a:rPr lang="nb-NO" sz="800">
+                          <a:effectLst/>
+                        </a:rPr>
+                        <a:t>DEXPI class type</a:t>
+                      </a:r>
+                      <a:endParaRPr lang="en-GB" sz="800">
+                        <a:effectLst/>
+                        <a:latin typeface="Times New Roman" panose="02020603050405020304" pitchFamily="18" charset="0"/>
+                        <a:ea typeface="Times New Roman" panose="02020603050405020304" pitchFamily="18" charset="0"/>
+                      </a:endParaRPr>
+                    </a:p>
+                  </a:txBody>
+                  <a:tcPr marL="31531" marR="31531" marT="0" marB="0" anchor="ctr"/>
+                </a:tc>
+                <a:tc>
+                  <a:txBody>
+                    <a:bodyPr/>
+                    <a:lstStyle/>
+                    <a:p>
+                      <a:pPr>
+                        <a:spcBef>
+                          <a:spcPts val="1200"/>
+                        </a:spcBef>
+                        <a:buNone/>
+                      </a:pPr>
+                      <a:r>
+                        <a:rPr lang="nb-NO" sz="800">
+                          <a:effectLst/>
+                        </a:rPr>
+                        <a:t>Comment</a:t>
+                      </a:r>
+                      <a:endParaRPr lang="en-GB" sz="800">
+                        <a:effectLst/>
+                        <a:latin typeface="Times New Roman" panose="02020603050405020304" pitchFamily="18" charset="0"/>
+                        <a:ea typeface="Times New Roman" panose="02020603050405020304" pitchFamily="18" charset="0"/>
+                      </a:endParaRPr>
+                    </a:p>
+                  </a:txBody>
+                  <a:tcPr marL="31531" marR="31531" marT="0" marB="0" anchor="ctr"/>
+                </a:tc>
+                <a:tc>
+                  <a:txBody>
+                    <a:bodyPr/>
+                    <a:lstStyle/>
+                    <a:p>
+                      <a:pPr>
+                        <a:spcBef>
+                          <a:spcPts val="1200"/>
+                        </a:spcBef>
+                        <a:buNone/>
+                      </a:pPr>
+                      <a:r>
+                        <a:rPr lang="nb-NO" sz="800">
+                          <a:effectLst/>
+                        </a:rPr>
+                        <a:t>Persistent ID</a:t>
+                      </a:r>
+                      <a:endParaRPr lang="en-GB" sz="800">
+                        <a:effectLst/>
+                        <a:latin typeface="Times New Roman" panose="02020603050405020304" pitchFamily="18" charset="0"/>
+                        <a:ea typeface="Times New Roman" panose="02020603050405020304" pitchFamily="18" charset="0"/>
+                      </a:endParaRPr>
+                    </a:p>
+                  </a:txBody>
+                  <a:tcPr marL="31531" marR="31531" marT="0" marB="0" anchor="ctr"/>
+                </a:tc>
+                <a:extLst>
+                  <a:ext uri="{0D108BD9-81ED-4DB2-BD59-A6C34878D82A}">
+                    <a16:rowId xmlns:a16="http://schemas.microsoft.com/office/drawing/2014/main" val="537375607"/>
+                  </a:ext>
+                </a:extLst>
+              </a:tr>
+              <a:tr h="141891">
+                <a:tc>
+                  <a:txBody>
+                    <a:bodyPr/>
+                    <a:lstStyle/>
+                    <a:p>
+                      <a:pPr>
+                        <a:spcBef>
+                          <a:spcPts val="1200"/>
+                        </a:spcBef>
+                        <a:buNone/>
+                      </a:pPr>
+                      <a:r>
+                        <a:rPr lang="nb-NO" sz="700">
+                          <a:effectLst/>
+                        </a:rPr>
+                        <a:t>PlantStructureItem</a:t>
+                      </a:r>
+                      <a:endParaRPr lang="en-GB" sz="800">
+                        <a:effectLst/>
+                        <a:latin typeface="Times New Roman" panose="02020603050405020304" pitchFamily="18" charset="0"/>
+                        <a:ea typeface="Times New Roman" panose="02020603050405020304" pitchFamily="18" charset="0"/>
+                      </a:endParaRPr>
+                    </a:p>
+                  </a:txBody>
+                  <a:tcPr marL="31531" marR="31531" marT="0" marB="0" anchor="ctr"/>
+                </a:tc>
+                <a:tc>
+                  <a:txBody>
+                    <a:bodyPr/>
+                    <a:lstStyle/>
+                    <a:p>
+                      <a:pPr>
+                        <a:spcBef>
+                          <a:spcPts val="1200"/>
+                        </a:spcBef>
+                        <a:buNone/>
+                      </a:pPr>
+                      <a:r>
+                        <a:rPr lang="en-GB" sz="700">
+                          <a:effectLst/>
+                        </a:rPr>
+                        <a:t>All subtypes which are included in the export</a:t>
+                      </a:r>
+                      <a:endParaRPr lang="en-GB" sz="800">
+                        <a:effectLst/>
+                        <a:latin typeface="Times New Roman" panose="02020603050405020304" pitchFamily="18" charset="0"/>
+                        <a:ea typeface="Times New Roman" panose="02020603050405020304" pitchFamily="18" charset="0"/>
+                      </a:endParaRPr>
+                    </a:p>
+                  </a:txBody>
+                  <a:tcPr marL="31531" marR="31531" marT="0" marB="0" anchor="ctr"/>
+                </a:tc>
+                <a:tc>
+                  <a:txBody>
+                    <a:bodyPr/>
+                    <a:lstStyle/>
+                    <a:p>
+                      <a:pPr>
+                        <a:spcBef>
+                          <a:spcPts val="1200"/>
+                        </a:spcBef>
+                        <a:buNone/>
+                      </a:pPr>
+                      <a:r>
+                        <a:rPr lang="nb-NO" sz="700">
+                          <a:effectLst/>
+                        </a:rPr>
+                        <a:t>Required</a:t>
+                      </a:r>
+                      <a:endParaRPr lang="en-GB" sz="800">
+                        <a:effectLst/>
+                        <a:latin typeface="Times New Roman" panose="02020603050405020304" pitchFamily="18" charset="0"/>
+                        <a:ea typeface="Times New Roman" panose="02020603050405020304" pitchFamily="18" charset="0"/>
+                      </a:endParaRPr>
+                    </a:p>
+                  </a:txBody>
+                  <a:tcPr marL="31531" marR="31531" marT="0" marB="0" anchor="ctr"/>
+                </a:tc>
+                <a:extLst>
+                  <a:ext uri="{0D108BD9-81ED-4DB2-BD59-A6C34878D82A}">
+                    <a16:rowId xmlns:a16="http://schemas.microsoft.com/office/drawing/2014/main" val="2963488352"/>
+                  </a:ext>
+                </a:extLst>
+              </a:tr>
+              <a:tr h="141891">
+                <a:tc>
+                  <a:txBody>
+                    <a:bodyPr/>
+                    <a:lstStyle/>
+                    <a:p>
+                      <a:pPr>
+                        <a:spcBef>
+                          <a:spcPts val="1200"/>
+                        </a:spcBef>
+                        <a:buNone/>
+                      </a:pPr>
+                      <a:r>
+                        <a:rPr lang="nb-NO" sz="700">
+                          <a:effectLst/>
+                        </a:rPr>
+                        <a:t>Note</a:t>
+                      </a:r>
+                      <a:endParaRPr lang="en-GB" sz="800">
+                        <a:effectLst/>
+                        <a:latin typeface="Times New Roman" panose="02020603050405020304" pitchFamily="18" charset="0"/>
+                        <a:ea typeface="Times New Roman" panose="02020603050405020304" pitchFamily="18" charset="0"/>
+                      </a:endParaRPr>
+                    </a:p>
+                  </a:txBody>
+                  <a:tcPr marL="31531" marR="31531" marT="0" marB="0" anchor="ctr"/>
+                </a:tc>
+                <a:tc>
+                  <a:txBody>
+                    <a:bodyPr/>
+                    <a:lstStyle/>
+                    <a:p>
+                      <a:pPr>
+                        <a:spcBef>
+                          <a:spcPts val="1200"/>
+                        </a:spcBef>
+                        <a:buNone/>
+                      </a:pPr>
+                      <a:r>
+                        <a:rPr lang="nb-NO" sz="700">
+                          <a:effectLst/>
+                        </a:rPr>
+                        <a:t> </a:t>
+                      </a:r>
+                      <a:endParaRPr lang="en-GB" sz="800">
+                        <a:effectLst/>
+                        <a:latin typeface="Times New Roman" panose="02020603050405020304" pitchFamily="18" charset="0"/>
+                        <a:ea typeface="Times New Roman" panose="02020603050405020304" pitchFamily="18" charset="0"/>
+                      </a:endParaRPr>
+                    </a:p>
+                  </a:txBody>
+                  <a:tcPr marL="31531" marR="31531" marT="0" marB="0" anchor="ctr"/>
+                </a:tc>
+                <a:tc>
+                  <a:txBody>
+                    <a:bodyPr/>
+                    <a:lstStyle/>
+                    <a:p>
+                      <a:pPr>
+                        <a:spcBef>
+                          <a:spcPts val="1200"/>
+                        </a:spcBef>
+                        <a:buNone/>
+                      </a:pPr>
+                      <a:r>
+                        <a:rPr lang="nb-NO" sz="700">
+                          <a:effectLst/>
+                        </a:rPr>
+                        <a:t>Required</a:t>
+                      </a:r>
+                      <a:endParaRPr lang="en-GB" sz="800">
+                        <a:effectLst/>
+                        <a:latin typeface="Times New Roman" panose="02020603050405020304" pitchFamily="18" charset="0"/>
+                        <a:ea typeface="Times New Roman" panose="02020603050405020304" pitchFamily="18" charset="0"/>
+                      </a:endParaRPr>
+                    </a:p>
+                  </a:txBody>
+                  <a:tcPr marL="31531" marR="31531" marT="0" marB="0" anchor="ctr"/>
+                </a:tc>
+                <a:extLst>
+                  <a:ext uri="{0D108BD9-81ED-4DB2-BD59-A6C34878D82A}">
+                    <a16:rowId xmlns:a16="http://schemas.microsoft.com/office/drawing/2014/main" val="2919422587"/>
+                  </a:ext>
+                </a:extLst>
+              </a:tr>
+              <a:tr h="141891">
+                <a:tc>
+                  <a:txBody>
+                    <a:bodyPr/>
+                    <a:lstStyle/>
+                    <a:p>
+                      <a:pPr>
+                        <a:spcBef>
+                          <a:spcPts val="1200"/>
+                        </a:spcBef>
+                        <a:buNone/>
+                      </a:pPr>
+                      <a:r>
+                        <a:rPr lang="nb-NO" sz="700">
+                          <a:effectLst/>
+                        </a:rPr>
+                        <a:t>PipeOffPageConnector</a:t>
+                      </a:r>
+                      <a:endParaRPr lang="en-GB" sz="800">
+                        <a:effectLst/>
+                        <a:latin typeface="Times New Roman" panose="02020603050405020304" pitchFamily="18" charset="0"/>
+                        <a:ea typeface="Times New Roman" panose="02020603050405020304" pitchFamily="18" charset="0"/>
+                      </a:endParaRPr>
+                    </a:p>
+                  </a:txBody>
+                  <a:tcPr marL="31531" marR="31531" marT="0" marB="0" anchor="ctr"/>
+                </a:tc>
+                <a:tc>
+                  <a:txBody>
+                    <a:bodyPr/>
+                    <a:lstStyle/>
+                    <a:p>
+                      <a:pPr>
+                        <a:spcBef>
+                          <a:spcPts val="1200"/>
+                        </a:spcBef>
+                        <a:buNone/>
+                      </a:pPr>
+                      <a:r>
+                        <a:rPr lang="nb-NO" sz="700" dirty="0">
+                          <a:effectLst/>
+                        </a:rPr>
+                        <a:t> </a:t>
+                      </a:r>
+                      <a:endParaRPr lang="en-GB" sz="800" dirty="0">
+                        <a:effectLst/>
+                        <a:latin typeface="Times New Roman" panose="02020603050405020304" pitchFamily="18" charset="0"/>
+                        <a:ea typeface="Times New Roman" panose="02020603050405020304" pitchFamily="18" charset="0"/>
+                      </a:endParaRPr>
+                    </a:p>
+                  </a:txBody>
+                  <a:tcPr marL="31531" marR="31531" marT="0" marB="0" anchor="ctr"/>
+                </a:tc>
+                <a:tc>
+                  <a:txBody>
+                    <a:bodyPr/>
+                    <a:lstStyle/>
+                    <a:p>
+                      <a:pPr>
+                        <a:spcBef>
+                          <a:spcPts val="1200"/>
+                        </a:spcBef>
+                        <a:buNone/>
+                      </a:pPr>
+                      <a:r>
+                        <a:rPr lang="nb-NO" sz="700">
+                          <a:effectLst/>
+                        </a:rPr>
+                        <a:t>Required</a:t>
+                      </a:r>
+                      <a:endParaRPr lang="en-GB" sz="800">
+                        <a:effectLst/>
+                        <a:latin typeface="Times New Roman" panose="02020603050405020304" pitchFamily="18" charset="0"/>
+                        <a:ea typeface="Times New Roman" panose="02020603050405020304" pitchFamily="18" charset="0"/>
+                      </a:endParaRPr>
+                    </a:p>
+                  </a:txBody>
+                  <a:tcPr marL="31531" marR="31531" marT="0" marB="0" anchor="ctr"/>
+                </a:tc>
+                <a:extLst>
+                  <a:ext uri="{0D108BD9-81ED-4DB2-BD59-A6C34878D82A}">
+                    <a16:rowId xmlns:a16="http://schemas.microsoft.com/office/drawing/2014/main" val="2367556064"/>
+                  </a:ext>
+                </a:extLst>
+              </a:tr>
+              <a:tr h="141891">
+                <a:tc>
+                  <a:txBody>
+                    <a:bodyPr/>
+                    <a:lstStyle/>
+                    <a:p>
+                      <a:pPr>
+                        <a:spcBef>
+                          <a:spcPts val="1200"/>
+                        </a:spcBef>
+                        <a:buNone/>
+                      </a:pPr>
+                      <a:r>
+                        <a:rPr lang="nb-NO" sz="700">
+                          <a:effectLst/>
+                        </a:rPr>
+                        <a:t>SignalOffPageConnector</a:t>
+                      </a:r>
+                      <a:endParaRPr lang="en-GB" sz="800">
+                        <a:effectLst/>
+                        <a:latin typeface="Times New Roman" panose="02020603050405020304" pitchFamily="18" charset="0"/>
+                        <a:ea typeface="Times New Roman" panose="02020603050405020304" pitchFamily="18" charset="0"/>
+                      </a:endParaRPr>
+                    </a:p>
+                  </a:txBody>
+                  <a:tcPr marL="31531" marR="31531" marT="0" marB="0" anchor="ctr"/>
+                </a:tc>
+                <a:tc>
+                  <a:txBody>
+                    <a:bodyPr/>
+                    <a:lstStyle/>
+                    <a:p>
+                      <a:pPr>
+                        <a:spcBef>
+                          <a:spcPts val="1200"/>
+                        </a:spcBef>
+                        <a:buNone/>
+                      </a:pPr>
+                      <a:r>
+                        <a:rPr lang="nb-NO" sz="700">
+                          <a:effectLst/>
+                        </a:rPr>
+                        <a:t> </a:t>
+                      </a:r>
+                      <a:endParaRPr lang="en-GB" sz="800">
+                        <a:effectLst/>
+                        <a:latin typeface="Times New Roman" panose="02020603050405020304" pitchFamily="18" charset="0"/>
+                        <a:ea typeface="Times New Roman" panose="02020603050405020304" pitchFamily="18" charset="0"/>
+                      </a:endParaRPr>
+                    </a:p>
+                  </a:txBody>
+                  <a:tcPr marL="31531" marR="31531" marT="0" marB="0" anchor="ctr"/>
+                </a:tc>
+                <a:tc>
+                  <a:txBody>
+                    <a:bodyPr/>
+                    <a:lstStyle/>
+                    <a:p>
+                      <a:pPr>
+                        <a:spcBef>
+                          <a:spcPts val="1200"/>
+                        </a:spcBef>
+                        <a:buNone/>
+                      </a:pPr>
+                      <a:r>
+                        <a:rPr lang="nb-NO" sz="700">
+                          <a:effectLst/>
+                        </a:rPr>
+                        <a:t>Required</a:t>
+                      </a:r>
+                      <a:endParaRPr lang="en-GB" sz="800">
+                        <a:effectLst/>
+                        <a:latin typeface="Times New Roman" panose="02020603050405020304" pitchFamily="18" charset="0"/>
+                        <a:ea typeface="Times New Roman" panose="02020603050405020304" pitchFamily="18" charset="0"/>
+                      </a:endParaRPr>
+                    </a:p>
+                  </a:txBody>
+                  <a:tcPr marL="31531" marR="31531" marT="0" marB="0" anchor="ctr"/>
+                </a:tc>
+                <a:extLst>
+                  <a:ext uri="{0D108BD9-81ED-4DB2-BD59-A6C34878D82A}">
+                    <a16:rowId xmlns:a16="http://schemas.microsoft.com/office/drawing/2014/main" val="2491291865"/>
+                  </a:ext>
+                </a:extLst>
+              </a:tr>
+              <a:tr h="236486">
+                <a:tc>
+                  <a:txBody>
+                    <a:bodyPr/>
+                    <a:lstStyle/>
+                    <a:p>
+                      <a:pPr>
+                        <a:spcBef>
+                          <a:spcPts val="1200"/>
+                        </a:spcBef>
+                        <a:buNone/>
+                      </a:pPr>
+                      <a:r>
+                        <a:rPr lang="nb-NO" sz="700">
+                          <a:effectLst/>
+                        </a:rPr>
+                        <a:t>Equipment</a:t>
+                      </a:r>
+                      <a:endParaRPr lang="en-GB" sz="800">
+                        <a:effectLst/>
+                        <a:latin typeface="Times New Roman" panose="02020603050405020304" pitchFamily="18" charset="0"/>
+                        <a:ea typeface="Times New Roman" panose="02020603050405020304" pitchFamily="18" charset="0"/>
+                      </a:endParaRPr>
+                    </a:p>
+                  </a:txBody>
+                  <a:tcPr marL="31531" marR="31531" marT="0" marB="0" anchor="ctr"/>
+                </a:tc>
+                <a:tc>
+                  <a:txBody>
+                    <a:bodyPr/>
+                    <a:lstStyle/>
+                    <a:p>
+                      <a:pPr>
+                        <a:spcBef>
+                          <a:spcPts val="1200"/>
+                        </a:spcBef>
+                        <a:buNone/>
+                      </a:pPr>
+                      <a:r>
+                        <a:rPr lang="en-GB" sz="700">
+                          <a:effectLst/>
+                        </a:rPr>
+                        <a:t>All subtypes which have a representation on the P&amp;ID</a:t>
+                      </a:r>
+                      <a:endParaRPr lang="en-GB" sz="800">
+                        <a:effectLst/>
+                        <a:latin typeface="Times New Roman" panose="02020603050405020304" pitchFamily="18" charset="0"/>
+                        <a:ea typeface="Times New Roman" panose="02020603050405020304" pitchFamily="18" charset="0"/>
+                      </a:endParaRPr>
+                    </a:p>
+                  </a:txBody>
+                  <a:tcPr marL="31531" marR="31531" marT="0" marB="0" anchor="ctr"/>
+                </a:tc>
+                <a:tc>
+                  <a:txBody>
+                    <a:bodyPr/>
+                    <a:lstStyle/>
+                    <a:p>
+                      <a:pPr>
+                        <a:spcBef>
+                          <a:spcPts val="1200"/>
+                        </a:spcBef>
+                        <a:buNone/>
+                      </a:pPr>
+                      <a:r>
+                        <a:rPr lang="nb-NO" sz="700">
+                          <a:effectLst/>
+                        </a:rPr>
+                        <a:t>Required</a:t>
+                      </a:r>
+                      <a:endParaRPr lang="en-GB" sz="800">
+                        <a:effectLst/>
+                        <a:latin typeface="Times New Roman" panose="02020603050405020304" pitchFamily="18" charset="0"/>
+                        <a:ea typeface="Times New Roman" panose="02020603050405020304" pitchFamily="18" charset="0"/>
+                      </a:endParaRPr>
+                    </a:p>
+                  </a:txBody>
+                  <a:tcPr marL="31531" marR="31531" marT="0" marB="0" anchor="ctr"/>
+                </a:tc>
+                <a:extLst>
+                  <a:ext uri="{0D108BD9-81ED-4DB2-BD59-A6C34878D82A}">
+                    <a16:rowId xmlns:a16="http://schemas.microsoft.com/office/drawing/2014/main" val="2228193835"/>
+                  </a:ext>
+                </a:extLst>
+              </a:tr>
+              <a:tr h="216216">
+                <a:tc>
+                  <a:txBody>
+                    <a:bodyPr/>
+                    <a:lstStyle/>
+                    <a:p>
+                      <a:pPr>
+                        <a:spcBef>
+                          <a:spcPts val="1200"/>
+                        </a:spcBef>
+                        <a:buNone/>
+                      </a:pPr>
+                      <a:r>
+                        <a:rPr lang="nb-NO" sz="700">
+                          <a:effectLst/>
+                        </a:rPr>
+                        <a:t>Nozzle</a:t>
+                      </a:r>
+                      <a:endParaRPr lang="en-GB" sz="800">
+                        <a:effectLst/>
+                        <a:latin typeface="Times New Roman" panose="02020603050405020304" pitchFamily="18" charset="0"/>
+                        <a:ea typeface="Times New Roman" panose="02020603050405020304" pitchFamily="18" charset="0"/>
+                      </a:endParaRPr>
+                    </a:p>
+                  </a:txBody>
+                  <a:tcPr marL="31531" marR="31531" marT="0" marB="0" anchor="ctr"/>
+                </a:tc>
+                <a:tc>
+                  <a:txBody>
+                    <a:bodyPr/>
+                    <a:lstStyle/>
+                    <a:p>
+                      <a:pPr>
+                        <a:spcBef>
+                          <a:spcPts val="1200"/>
+                        </a:spcBef>
+                        <a:buNone/>
+                      </a:pPr>
+                      <a:r>
+                        <a:rPr lang="en-GB" sz="700">
+                          <a:effectLst/>
+                        </a:rPr>
+                        <a:t>NOT included: items without a RepresentationTypeGroup (Graphical representation)</a:t>
+                      </a:r>
+                      <a:endParaRPr lang="en-GB" sz="800">
+                        <a:effectLst/>
+                        <a:latin typeface="Times New Roman" panose="02020603050405020304" pitchFamily="18" charset="0"/>
+                        <a:ea typeface="Times New Roman" panose="02020603050405020304" pitchFamily="18" charset="0"/>
+                      </a:endParaRPr>
+                    </a:p>
+                  </a:txBody>
+                  <a:tcPr marL="31531" marR="31531" marT="0" marB="0" anchor="ctr"/>
+                </a:tc>
+                <a:tc>
+                  <a:txBody>
+                    <a:bodyPr/>
+                    <a:lstStyle/>
+                    <a:p>
+                      <a:pPr>
+                        <a:spcBef>
+                          <a:spcPts val="1200"/>
+                        </a:spcBef>
+                        <a:buNone/>
+                      </a:pPr>
+                      <a:r>
+                        <a:rPr lang="nb-NO" sz="700">
+                          <a:effectLst/>
+                        </a:rPr>
+                        <a:t>Required</a:t>
+                      </a:r>
+                      <a:endParaRPr lang="en-GB" sz="800">
+                        <a:effectLst/>
+                        <a:latin typeface="Times New Roman" panose="02020603050405020304" pitchFamily="18" charset="0"/>
+                        <a:ea typeface="Times New Roman" panose="02020603050405020304" pitchFamily="18" charset="0"/>
+                      </a:endParaRPr>
+                    </a:p>
+                  </a:txBody>
+                  <a:tcPr marL="31531" marR="31531" marT="0" marB="0" anchor="ctr"/>
+                </a:tc>
+                <a:extLst>
+                  <a:ext uri="{0D108BD9-81ED-4DB2-BD59-A6C34878D82A}">
+                    <a16:rowId xmlns:a16="http://schemas.microsoft.com/office/drawing/2014/main" val="3408850916"/>
+                  </a:ext>
+                </a:extLst>
+              </a:tr>
+              <a:tr h="141891">
+                <a:tc>
+                  <a:txBody>
+                    <a:bodyPr/>
+                    <a:lstStyle/>
+                    <a:p>
+                      <a:pPr>
+                        <a:spcBef>
+                          <a:spcPts val="1200"/>
+                        </a:spcBef>
+                        <a:buNone/>
+                      </a:pPr>
+                      <a:r>
+                        <a:rPr lang="nb-NO" sz="700">
+                          <a:effectLst/>
+                        </a:rPr>
+                        <a:t>ProcessColumnComponent</a:t>
+                      </a:r>
+                      <a:endParaRPr lang="en-GB" sz="800">
+                        <a:effectLst/>
+                        <a:latin typeface="Times New Roman" panose="02020603050405020304" pitchFamily="18" charset="0"/>
+                        <a:ea typeface="Times New Roman" panose="02020603050405020304" pitchFamily="18" charset="0"/>
+                      </a:endParaRPr>
+                    </a:p>
+                  </a:txBody>
+                  <a:tcPr marL="31531" marR="31531" marT="0" marB="0" anchor="ctr"/>
+                </a:tc>
+                <a:tc>
+                  <a:txBody>
+                    <a:bodyPr/>
+                    <a:lstStyle/>
+                    <a:p>
+                      <a:pPr>
+                        <a:spcBef>
+                          <a:spcPts val="1200"/>
+                        </a:spcBef>
+                        <a:buNone/>
+                      </a:pPr>
+                      <a:r>
+                        <a:rPr lang="nb-NO" sz="700">
+                          <a:effectLst/>
+                        </a:rPr>
+                        <a:t> </a:t>
+                      </a:r>
+                      <a:endParaRPr lang="en-GB" sz="800">
+                        <a:effectLst/>
+                        <a:latin typeface="Times New Roman" panose="02020603050405020304" pitchFamily="18" charset="0"/>
+                        <a:ea typeface="Times New Roman" panose="02020603050405020304" pitchFamily="18" charset="0"/>
+                      </a:endParaRPr>
+                    </a:p>
+                  </a:txBody>
+                  <a:tcPr marL="31531" marR="31531" marT="0" marB="0" anchor="ctr"/>
+                </a:tc>
+                <a:tc>
+                  <a:txBody>
+                    <a:bodyPr/>
+                    <a:lstStyle/>
+                    <a:p>
+                      <a:pPr>
+                        <a:spcBef>
+                          <a:spcPts val="1200"/>
+                        </a:spcBef>
+                        <a:buNone/>
+                      </a:pPr>
+                      <a:r>
+                        <a:rPr lang="nb-NO" sz="700">
+                          <a:effectLst/>
+                        </a:rPr>
+                        <a:t>Required</a:t>
+                      </a:r>
+                      <a:endParaRPr lang="en-GB" sz="800">
+                        <a:effectLst/>
+                        <a:latin typeface="Times New Roman" panose="02020603050405020304" pitchFamily="18" charset="0"/>
+                        <a:ea typeface="Times New Roman" panose="02020603050405020304" pitchFamily="18" charset="0"/>
+                      </a:endParaRPr>
+                    </a:p>
+                  </a:txBody>
+                  <a:tcPr marL="31531" marR="31531" marT="0" marB="0" anchor="ctr"/>
+                </a:tc>
+                <a:extLst>
+                  <a:ext uri="{0D108BD9-81ED-4DB2-BD59-A6C34878D82A}">
+                    <a16:rowId xmlns:a16="http://schemas.microsoft.com/office/drawing/2014/main" val="3367239441"/>
+                  </a:ext>
+                </a:extLst>
+              </a:tr>
+              <a:tr h="141891">
+                <a:tc>
+                  <a:txBody>
+                    <a:bodyPr/>
+                    <a:lstStyle/>
+                    <a:p>
+                      <a:pPr>
+                        <a:spcBef>
+                          <a:spcPts val="1200"/>
+                        </a:spcBef>
+                        <a:buNone/>
+                      </a:pPr>
+                      <a:r>
+                        <a:rPr lang="nb-NO" sz="700">
+                          <a:effectLst/>
+                        </a:rPr>
+                        <a:t>PipingNetworkSystem </a:t>
+                      </a:r>
+                      <a:endParaRPr lang="en-GB" sz="800">
+                        <a:effectLst/>
+                        <a:latin typeface="Times New Roman" panose="02020603050405020304" pitchFamily="18" charset="0"/>
+                        <a:ea typeface="Times New Roman" panose="02020603050405020304" pitchFamily="18" charset="0"/>
+                      </a:endParaRPr>
+                    </a:p>
+                  </a:txBody>
+                  <a:tcPr marL="31531" marR="31531" marT="0" marB="0" anchor="ctr"/>
+                </a:tc>
+                <a:tc>
+                  <a:txBody>
+                    <a:bodyPr/>
+                    <a:lstStyle/>
+                    <a:p>
+                      <a:pPr>
+                        <a:spcBef>
+                          <a:spcPts val="1200"/>
+                        </a:spcBef>
+                        <a:buNone/>
+                      </a:pPr>
+                      <a:r>
+                        <a:rPr lang="nb-NO" sz="700">
+                          <a:effectLst/>
+                        </a:rPr>
+                        <a:t> </a:t>
+                      </a:r>
+                      <a:endParaRPr lang="en-GB" sz="800">
+                        <a:effectLst/>
+                        <a:latin typeface="Times New Roman" panose="02020603050405020304" pitchFamily="18" charset="0"/>
+                        <a:ea typeface="Times New Roman" panose="02020603050405020304" pitchFamily="18" charset="0"/>
+                      </a:endParaRPr>
+                    </a:p>
+                  </a:txBody>
+                  <a:tcPr marL="31531" marR="31531" marT="0" marB="0" anchor="ctr"/>
+                </a:tc>
+                <a:tc>
+                  <a:txBody>
+                    <a:bodyPr/>
+                    <a:lstStyle/>
+                    <a:p>
+                      <a:pPr>
+                        <a:spcBef>
+                          <a:spcPts val="1200"/>
+                        </a:spcBef>
+                        <a:buNone/>
+                      </a:pPr>
+                      <a:r>
+                        <a:rPr lang="nb-NO" sz="700">
+                          <a:effectLst/>
+                        </a:rPr>
+                        <a:t>Required</a:t>
+                      </a:r>
+                      <a:endParaRPr lang="en-GB" sz="800">
+                        <a:effectLst/>
+                        <a:latin typeface="Times New Roman" panose="02020603050405020304" pitchFamily="18" charset="0"/>
+                        <a:ea typeface="Times New Roman" panose="02020603050405020304" pitchFamily="18" charset="0"/>
+                      </a:endParaRPr>
+                    </a:p>
+                  </a:txBody>
+                  <a:tcPr marL="31531" marR="31531" marT="0" marB="0" anchor="ctr"/>
+                </a:tc>
+                <a:extLst>
+                  <a:ext uri="{0D108BD9-81ED-4DB2-BD59-A6C34878D82A}">
+                    <a16:rowId xmlns:a16="http://schemas.microsoft.com/office/drawing/2014/main" val="430271310"/>
+                  </a:ext>
+                </a:extLst>
+              </a:tr>
+              <a:tr h="351350">
+                <a:tc>
+                  <a:txBody>
+                    <a:bodyPr/>
+                    <a:lstStyle/>
+                    <a:p>
+                      <a:pPr>
+                        <a:spcBef>
+                          <a:spcPts val="1200"/>
+                        </a:spcBef>
+                        <a:buNone/>
+                      </a:pPr>
+                      <a:r>
+                        <a:rPr lang="nb-NO" sz="700">
+                          <a:effectLst/>
+                        </a:rPr>
+                        <a:t>PipingComponent</a:t>
+                      </a:r>
+                      <a:endParaRPr lang="en-GB" sz="800">
+                        <a:effectLst/>
+                        <a:latin typeface="Times New Roman" panose="02020603050405020304" pitchFamily="18" charset="0"/>
+                        <a:ea typeface="Times New Roman" panose="02020603050405020304" pitchFamily="18" charset="0"/>
+                      </a:endParaRPr>
+                    </a:p>
+                  </a:txBody>
+                  <a:tcPr marL="31531" marR="31531" marT="0" marB="0" anchor="ctr"/>
+                </a:tc>
+                <a:tc>
+                  <a:txBody>
+                    <a:bodyPr/>
+                    <a:lstStyle/>
+                    <a:p>
+                      <a:pPr>
+                        <a:spcBef>
+                          <a:spcPts val="1200"/>
+                        </a:spcBef>
+                        <a:buNone/>
+                      </a:pPr>
+                      <a:r>
+                        <a:rPr lang="en-GB" sz="700">
+                          <a:effectLst/>
+                        </a:rPr>
+                        <a:t>All subtypes which have a representation on the P&amp;ID.</a:t>
+                      </a:r>
+                      <a:br>
+                        <a:rPr lang="en-GB" sz="700">
+                          <a:effectLst/>
+                        </a:rPr>
+                      </a:br>
+                      <a:r>
+                        <a:rPr lang="en-GB" sz="700">
+                          <a:effectLst/>
+                        </a:rPr>
+                        <a:t>NOT included: items without a RepresentationTypeGroup (Graphical representation)</a:t>
+                      </a:r>
+                      <a:endParaRPr lang="en-GB" sz="800">
+                        <a:effectLst/>
+                        <a:latin typeface="Times New Roman" panose="02020603050405020304" pitchFamily="18" charset="0"/>
+                        <a:ea typeface="Times New Roman" panose="02020603050405020304" pitchFamily="18" charset="0"/>
+                      </a:endParaRPr>
+                    </a:p>
+                  </a:txBody>
+                  <a:tcPr marL="31531" marR="31531" marT="0" marB="0" anchor="ctr"/>
+                </a:tc>
+                <a:tc>
+                  <a:txBody>
+                    <a:bodyPr/>
+                    <a:lstStyle/>
+                    <a:p>
+                      <a:pPr>
+                        <a:spcBef>
+                          <a:spcPts val="1200"/>
+                        </a:spcBef>
+                        <a:buNone/>
+                      </a:pPr>
+                      <a:r>
+                        <a:rPr lang="nb-NO" sz="700">
+                          <a:effectLst/>
+                        </a:rPr>
+                        <a:t>Required</a:t>
+                      </a:r>
+                      <a:endParaRPr lang="en-GB" sz="800">
+                        <a:effectLst/>
+                        <a:latin typeface="Times New Roman" panose="02020603050405020304" pitchFamily="18" charset="0"/>
+                        <a:ea typeface="Times New Roman" panose="02020603050405020304" pitchFamily="18" charset="0"/>
+                      </a:endParaRPr>
+                    </a:p>
+                  </a:txBody>
+                  <a:tcPr marL="31531" marR="31531" marT="0" marB="0" anchor="ctr"/>
+                </a:tc>
+                <a:extLst>
+                  <a:ext uri="{0D108BD9-81ED-4DB2-BD59-A6C34878D82A}">
+                    <a16:rowId xmlns:a16="http://schemas.microsoft.com/office/drawing/2014/main" val="1763899742"/>
+                  </a:ext>
+                </a:extLst>
+              </a:tr>
+              <a:tr h="141891">
+                <a:tc>
+                  <a:txBody>
+                    <a:bodyPr/>
+                    <a:lstStyle/>
+                    <a:p>
+                      <a:pPr>
+                        <a:spcBef>
+                          <a:spcPts val="1200"/>
+                        </a:spcBef>
+                        <a:buNone/>
+                      </a:pPr>
+                      <a:r>
+                        <a:rPr lang="nb-NO" sz="700">
+                          <a:effectLst/>
+                        </a:rPr>
+                        <a:t>ControlledActuator</a:t>
+                      </a:r>
+                      <a:endParaRPr lang="en-GB" sz="800">
+                        <a:effectLst/>
+                        <a:latin typeface="Times New Roman" panose="02020603050405020304" pitchFamily="18" charset="0"/>
+                        <a:ea typeface="Times New Roman" panose="02020603050405020304" pitchFamily="18" charset="0"/>
+                      </a:endParaRPr>
+                    </a:p>
+                  </a:txBody>
+                  <a:tcPr marL="31531" marR="31531" marT="0" marB="0" anchor="ctr"/>
+                </a:tc>
+                <a:tc>
+                  <a:txBody>
+                    <a:bodyPr/>
+                    <a:lstStyle/>
+                    <a:p>
+                      <a:pPr>
+                        <a:spcBef>
+                          <a:spcPts val="1200"/>
+                        </a:spcBef>
+                        <a:buNone/>
+                      </a:pPr>
+                      <a:r>
+                        <a:rPr lang="nb-NO" sz="700" dirty="0">
+                          <a:effectLst/>
+                        </a:rPr>
+                        <a:t> </a:t>
+                      </a:r>
+                      <a:endParaRPr lang="en-GB" sz="800" dirty="0">
+                        <a:effectLst/>
+                        <a:latin typeface="Times New Roman" panose="02020603050405020304" pitchFamily="18" charset="0"/>
+                        <a:ea typeface="Times New Roman" panose="02020603050405020304" pitchFamily="18" charset="0"/>
+                      </a:endParaRPr>
+                    </a:p>
+                  </a:txBody>
+                  <a:tcPr marL="31531" marR="31531" marT="0" marB="0" anchor="ctr"/>
+                </a:tc>
+                <a:tc>
+                  <a:txBody>
+                    <a:bodyPr/>
+                    <a:lstStyle/>
+                    <a:p>
+                      <a:pPr>
+                        <a:spcBef>
+                          <a:spcPts val="1200"/>
+                        </a:spcBef>
+                        <a:buNone/>
+                      </a:pPr>
+                      <a:r>
+                        <a:rPr lang="nb-NO" sz="700">
+                          <a:effectLst/>
+                        </a:rPr>
+                        <a:t>Required</a:t>
+                      </a:r>
+                      <a:endParaRPr lang="en-GB" sz="800">
+                        <a:effectLst/>
+                        <a:latin typeface="Times New Roman" panose="02020603050405020304" pitchFamily="18" charset="0"/>
+                        <a:ea typeface="Times New Roman" panose="02020603050405020304" pitchFamily="18" charset="0"/>
+                      </a:endParaRPr>
+                    </a:p>
+                  </a:txBody>
+                  <a:tcPr marL="31531" marR="31531" marT="0" marB="0" anchor="ctr"/>
+                </a:tc>
+                <a:extLst>
+                  <a:ext uri="{0D108BD9-81ED-4DB2-BD59-A6C34878D82A}">
+                    <a16:rowId xmlns:a16="http://schemas.microsoft.com/office/drawing/2014/main" val="3171195498"/>
+                  </a:ext>
+                </a:extLst>
+              </a:tr>
+              <a:tr h="141891">
+                <a:tc>
+                  <a:txBody>
+                    <a:bodyPr/>
+                    <a:lstStyle/>
+                    <a:p>
+                      <a:pPr>
+                        <a:spcBef>
+                          <a:spcPts val="1200"/>
+                        </a:spcBef>
+                        <a:buNone/>
+                      </a:pPr>
+                      <a:r>
+                        <a:rPr lang="nb-NO" sz="700">
+                          <a:effectLst/>
+                        </a:rPr>
+                        <a:t>ProcessInstrumentationFunction</a:t>
+                      </a:r>
+                      <a:endParaRPr lang="en-GB" sz="800">
+                        <a:effectLst/>
+                        <a:latin typeface="Times New Roman" panose="02020603050405020304" pitchFamily="18" charset="0"/>
+                        <a:ea typeface="Times New Roman" panose="02020603050405020304" pitchFamily="18" charset="0"/>
+                      </a:endParaRPr>
+                    </a:p>
+                  </a:txBody>
+                  <a:tcPr marL="31531" marR="31531" marT="0" marB="0" anchor="ctr"/>
+                </a:tc>
+                <a:tc>
+                  <a:txBody>
+                    <a:bodyPr/>
+                    <a:lstStyle/>
+                    <a:p>
+                      <a:pPr>
+                        <a:spcBef>
+                          <a:spcPts val="1200"/>
+                        </a:spcBef>
+                        <a:buNone/>
+                      </a:pPr>
+                      <a:r>
+                        <a:rPr lang="nb-NO" sz="700">
+                          <a:effectLst/>
+                        </a:rPr>
+                        <a:t> And subtypes.</a:t>
+                      </a:r>
+                      <a:endParaRPr lang="en-GB" sz="800">
+                        <a:effectLst/>
+                        <a:latin typeface="Times New Roman" panose="02020603050405020304" pitchFamily="18" charset="0"/>
+                        <a:ea typeface="Times New Roman" panose="02020603050405020304" pitchFamily="18" charset="0"/>
+                      </a:endParaRPr>
+                    </a:p>
+                  </a:txBody>
+                  <a:tcPr marL="31531" marR="31531" marT="0" marB="0" anchor="ctr"/>
+                </a:tc>
+                <a:tc>
+                  <a:txBody>
+                    <a:bodyPr/>
+                    <a:lstStyle/>
+                    <a:p>
+                      <a:pPr>
+                        <a:spcBef>
+                          <a:spcPts val="1200"/>
+                        </a:spcBef>
+                        <a:buNone/>
+                      </a:pPr>
+                      <a:r>
+                        <a:rPr lang="nb-NO" sz="700">
+                          <a:effectLst/>
+                        </a:rPr>
+                        <a:t>Required</a:t>
+                      </a:r>
+                      <a:endParaRPr lang="en-GB" sz="800">
+                        <a:effectLst/>
+                        <a:latin typeface="Times New Roman" panose="02020603050405020304" pitchFamily="18" charset="0"/>
+                        <a:ea typeface="Times New Roman" panose="02020603050405020304" pitchFamily="18" charset="0"/>
+                      </a:endParaRPr>
+                    </a:p>
+                  </a:txBody>
+                  <a:tcPr marL="31531" marR="31531" marT="0" marB="0" anchor="ctr"/>
+                </a:tc>
+                <a:extLst>
+                  <a:ext uri="{0D108BD9-81ED-4DB2-BD59-A6C34878D82A}">
+                    <a16:rowId xmlns:a16="http://schemas.microsoft.com/office/drawing/2014/main" val="1314466328"/>
+                  </a:ext>
+                </a:extLst>
+              </a:tr>
+              <a:tr h="141891">
+                <a:tc>
+                  <a:txBody>
+                    <a:bodyPr/>
+                    <a:lstStyle/>
+                    <a:p>
+                      <a:pPr>
+                        <a:spcBef>
+                          <a:spcPts val="1200"/>
+                        </a:spcBef>
+                        <a:buNone/>
+                      </a:pPr>
+                      <a:r>
+                        <a:rPr lang="nb-NO" sz="700">
+                          <a:effectLst/>
+                        </a:rPr>
+                        <a:t>InstrumentationLoopFunction</a:t>
+                      </a:r>
+                      <a:endParaRPr lang="en-GB" sz="800">
+                        <a:effectLst/>
+                        <a:latin typeface="Times New Roman" panose="02020603050405020304" pitchFamily="18" charset="0"/>
+                        <a:ea typeface="Times New Roman" panose="02020603050405020304" pitchFamily="18" charset="0"/>
+                      </a:endParaRPr>
+                    </a:p>
+                  </a:txBody>
+                  <a:tcPr marL="31531" marR="31531" marT="0" marB="0" anchor="ctr"/>
+                </a:tc>
+                <a:tc>
+                  <a:txBody>
+                    <a:bodyPr/>
+                    <a:lstStyle/>
+                    <a:p>
+                      <a:pPr>
+                        <a:spcBef>
+                          <a:spcPts val="1200"/>
+                        </a:spcBef>
+                        <a:buNone/>
+                      </a:pPr>
+                      <a:r>
+                        <a:rPr lang="nb-NO" sz="700">
+                          <a:effectLst/>
+                        </a:rPr>
+                        <a:t> </a:t>
+                      </a:r>
+                      <a:endParaRPr lang="en-GB" sz="800">
+                        <a:effectLst/>
+                        <a:latin typeface="Times New Roman" panose="02020603050405020304" pitchFamily="18" charset="0"/>
+                        <a:ea typeface="Times New Roman" panose="02020603050405020304" pitchFamily="18" charset="0"/>
+                      </a:endParaRPr>
+                    </a:p>
+                  </a:txBody>
+                  <a:tcPr marL="31531" marR="31531" marT="0" marB="0" anchor="ctr"/>
+                </a:tc>
+                <a:tc>
+                  <a:txBody>
+                    <a:bodyPr/>
+                    <a:lstStyle/>
+                    <a:p>
+                      <a:pPr>
+                        <a:spcBef>
+                          <a:spcPts val="1200"/>
+                        </a:spcBef>
+                        <a:buNone/>
+                      </a:pPr>
+                      <a:r>
+                        <a:rPr lang="nb-NO" sz="700">
+                          <a:effectLst/>
+                        </a:rPr>
+                        <a:t>Required</a:t>
+                      </a:r>
+                      <a:endParaRPr lang="en-GB" sz="800">
+                        <a:effectLst/>
+                        <a:latin typeface="Times New Roman" panose="02020603050405020304" pitchFamily="18" charset="0"/>
+                        <a:ea typeface="Times New Roman" panose="02020603050405020304" pitchFamily="18" charset="0"/>
+                      </a:endParaRPr>
+                    </a:p>
+                  </a:txBody>
+                  <a:tcPr marL="31531" marR="31531" marT="0" marB="0" anchor="ctr"/>
+                </a:tc>
+                <a:extLst>
+                  <a:ext uri="{0D108BD9-81ED-4DB2-BD59-A6C34878D82A}">
+                    <a16:rowId xmlns:a16="http://schemas.microsoft.com/office/drawing/2014/main" val="729883032"/>
+                  </a:ext>
+                </a:extLst>
+              </a:tr>
+              <a:tr h="141891">
+                <a:tc>
+                  <a:txBody>
+                    <a:bodyPr/>
+                    <a:lstStyle/>
+                    <a:p>
+                      <a:pPr>
+                        <a:spcBef>
+                          <a:spcPts val="1200"/>
+                        </a:spcBef>
+                        <a:buNone/>
+                      </a:pPr>
+                      <a:r>
+                        <a:rPr lang="nb-NO" sz="700">
+                          <a:effectLst/>
+                        </a:rPr>
+                        <a:t>SignalConveyingFunction</a:t>
+                      </a:r>
+                      <a:endParaRPr lang="en-GB" sz="800">
+                        <a:effectLst/>
+                        <a:latin typeface="Times New Roman" panose="02020603050405020304" pitchFamily="18" charset="0"/>
+                        <a:ea typeface="Times New Roman" panose="02020603050405020304" pitchFamily="18" charset="0"/>
+                      </a:endParaRPr>
+                    </a:p>
+                  </a:txBody>
+                  <a:tcPr marL="31531" marR="31531" marT="0" marB="0" anchor="ctr"/>
+                </a:tc>
+                <a:tc>
+                  <a:txBody>
+                    <a:bodyPr/>
+                    <a:lstStyle/>
+                    <a:p>
+                      <a:pPr>
+                        <a:spcBef>
+                          <a:spcPts val="1200"/>
+                        </a:spcBef>
+                        <a:buNone/>
+                      </a:pPr>
+                      <a:r>
+                        <a:rPr lang="nb-NO" sz="700">
+                          <a:effectLst/>
+                        </a:rPr>
+                        <a:t>NOT included: MeasuringLineFunction</a:t>
+                      </a:r>
+                      <a:endParaRPr lang="en-GB" sz="800">
+                        <a:effectLst/>
+                        <a:latin typeface="Times New Roman" panose="02020603050405020304" pitchFamily="18" charset="0"/>
+                        <a:ea typeface="Times New Roman" panose="02020603050405020304" pitchFamily="18" charset="0"/>
+                      </a:endParaRPr>
+                    </a:p>
+                  </a:txBody>
+                  <a:tcPr marL="31531" marR="31531" marT="0" marB="0" anchor="ctr"/>
+                </a:tc>
+                <a:tc>
+                  <a:txBody>
+                    <a:bodyPr/>
+                    <a:lstStyle/>
+                    <a:p>
+                      <a:pPr>
+                        <a:spcBef>
+                          <a:spcPts val="1200"/>
+                        </a:spcBef>
+                        <a:buNone/>
+                      </a:pPr>
+                      <a:r>
+                        <a:rPr lang="nb-NO" sz="700">
+                          <a:effectLst/>
+                        </a:rPr>
+                        <a:t>Required</a:t>
+                      </a:r>
+                      <a:endParaRPr lang="en-GB" sz="800">
+                        <a:effectLst/>
+                        <a:latin typeface="Times New Roman" panose="02020603050405020304" pitchFamily="18" charset="0"/>
+                        <a:ea typeface="Times New Roman" panose="02020603050405020304" pitchFamily="18" charset="0"/>
+                      </a:endParaRPr>
+                    </a:p>
+                  </a:txBody>
+                  <a:tcPr marL="31531" marR="31531" marT="0" marB="0" anchor="ctr"/>
+                </a:tc>
+                <a:extLst>
+                  <a:ext uri="{0D108BD9-81ED-4DB2-BD59-A6C34878D82A}">
+                    <a16:rowId xmlns:a16="http://schemas.microsoft.com/office/drawing/2014/main" val="2944164972"/>
+                  </a:ext>
+                </a:extLst>
+              </a:tr>
+              <a:tr h="141891">
+                <a:tc>
+                  <a:txBody>
+                    <a:bodyPr/>
+                    <a:lstStyle/>
+                    <a:p>
+                      <a:pPr>
+                        <a:spcBef>
+                          <a:spcPts val="1200"/>
+                        </a:spcBef>
+                        <a:buNone/>
+                      </a:pPr>
+                      <a:r>
+                        <a:rPr lang="nb-NO" sz="700">
+                          <a:effectLst/>
+                        </a:rPr>
+                        <a:t>PipingNetworkSegment</a:t>
+                      </a:r>
+                      <a:endParaRPr lang="en-GB" sz="800">
+                        <a:effectLst/>
+                        <a:latin typeface="Times New Roman" panose="02020603050405020304" pitchFamily="18" charset="0"/>
+                        <a:ea typeface="Times New Roman" panose="02020603050405020304" pitchFamily="18" charset="0"/>
+                      </a:endParaRPr>
+                    </a:p>
+                  </a:txBody>
+                  <a:tcPr marL="31531" marR="31531" marT="0" marB="0" anchor="ctr"/>
+                </a:tc>
+                <a:tc>
+                  <a:txBody>
+                    <a:bodyPr/>
+                    <a:lstStyle/>
+                    <a:p>
+                      <a:pPr>
+                        <a:spcBef>
+                          <a:spcPts val="1200"/>
+                        </a:spcBef>
+                        <a:buNone/>
+                      </a:pPr>
+                      <a:r>
+                        <a:rPr lang="nb-NO" sz="700">
+                          <a:effectLst/>
+                        </a:rPr>
+                        <a:t> </a:t>
+                      </a:r>
+                      <a:endParaRPr lang="en-GB" sz="800">
+                        <a:effectLst/>
+                        <a:latin typeface="Times New Roman" panose="02020603050405020304" pitchFamily="18" charset="0"/>
+                        <a:ea typeface="Times New Roman" panose="02020603050405020304" pitchFamily="18" charset="0"/>
+                      </a:endParaRPr>
+                    </a:p>
+                  </a:txBody>
+                  <a:tcPr marL="31531" marR="31531" marT="0" marB="0" anchor="ctr"/>
+                </a:tc>
+                <a:tc>
+                  <a:txBody>
+                    <a:bodyPr/>
+                    <a:lstStyle/>
+                    <a:p>
+                      <a:pPr>
+                        <a:spcBef>
+                          <a:spcPts val="1200"/>
+                        </a:spcBef>
+                        <a:buNone/>
+                      </a:pPr>
+                      <a:r>
+                        <a:rPr lang="nb-NO" sz="700">
+                          <a:effectLst/>
+                        </a:rPr>
+                        <a:t>Not Required</a:t>
+                      </a:r>
+                      <a:endParaRPr lang="en-GB" sz="800">
+                        <a:effectLst/>
+                        <a:latin typeface="Times New Roman" panose="02020603050405020304" pitchFamily="18" charset="0"/>
+                        <a:ea typeface="Times New Roman" panose="02020603050405020304" pitchFamily="18" charset="0"/>
+                      </a:endParaRPr>
+                    </a:p>
+                  </a:txBody>
+                  <a:tcPr marL="31531" marR="31531" marT="0" marB="0" anchor="ctr"/>
+                </a:tc>
+                <a:extLst>
+                  <a:ext uri="{0D108BD9-81ED-4DB2-BD59-A6C34878D82A}">
+                    <a16:rowId xmlns:a16="http://schemas.microsoft.com/office/drawing/2014/main" val="2891079703"/>
+                  </a:ext>
+                </a:extLst>
+              </a:tr>
+              <a:tr h="141891">
+                <a:tc>
+                  <a:txBody>
+                    <a:bodyPr/>
+                    <a:lstStyle/>
+                    <a:p>
+                      <a:pPr>
+                        <a:spcBef>
+                          <a:spcPts val="1200"/>
+                        </a:spcBef>
+                        <a:buNone/>
+                      </a:pPr>
+                      <a:r>
+                        <a:rPr lang="nb-NO" sz="700">
+                          <a:effectLst/>
+                        </a:rPr>
+                        <a:t>PipingConnection</a:t>
+                      </a:r>
+                      <a:endParaRPr lang="en-GB" sz="800">
+                        <a:effectLst/>
+                        <a:latin typeface="Times New Roman" panose="02020603050405020304" pitchFamily="18" charset="0"/>
+                        <a:ea typeface="Times New Roman" panose="02020603050405020304" pitchFamily="18" charset="0"/>
+                      </a:endParaRPr>
+                    </a:p>
+                  </a:txBody>
+                  <a:tcPr marL="31531" marR="31531" marT="0" marB="0" anchor="ctr"/>
+                </a:tc>
+                <a:tc>
+                  <a:txBody>
+                    <a:bodyPr/>
+                    <a:lstStyle/>
+                    <a:p>
+                      <a:pPr>
+                        <a:spcBef>
+                          <a:spcPts val="1200"/>
+                        </a:spcBef>
+                        <a:buNone/>
+                      </a:pPr>
+                      <a:r>
+                        <a:rPr lang="nb-NO" sz="700">
+                          <a:effectLst/>
+                        </a:rPr>
+                        <a:t> </a:t>
+                      </a:r>
+                      <a:endParaRPr lang="en-GB" sz="800">
+                        <a:effectLst/>
+                        <a:latin typeface="Times New Roman" panose="02020603050405020304" pitchFamily="18" charset="0"/>
+                        <a:ea typeface="Times New Roman" panose="02020603050405020304" pitchFamily="18" charset="0"/>
+                      </a:endParaRPr>
+                    </a:p>
+                  </a:txBody>
+                  <a:tcPr marL="31531" marR="31531" marT="0" marB="0" anchor="ctr"/>
+                </a:tc>
+                <a:tc>
+                  <a:txBody>
+                    <a:bodyPr/>
+                    <a:lstStyle/>
+                    <a:p>
+                      <a:pPr>
+                        <a:spcBef>
+                          <a:spcPts val="1200"/>
+                        </a:spcBef>
+                        <a:buNone/>
+                      </a:pPr>
+                      <a:r>
+                        <a:rPr lang="nb-NO" sz="700">
+                          <a:effectLst/>
+                        </a:rPr>
+                        <a:t>Not Required</a:t>
+                      </a:r>
+                      <a:endParaRPr lang="en-GB" sz="800">
+                        <a:effectLst/>
+                        <a:latin typeface="Times New Roman" panose="02020603050405020304" pitchFamily="18" charset="0"/>
+                        <a:ea typeface="Times New Roman" panose="02020603050405020304" pitchFamily="18" charset="0"/>
+                      </a:endParaRPr>
+                    </a:p>
+                  </a:txBody>
+                  <a:tcPr marL="31531" marR="31531" marT="0" marB="0" anchor="ctr"/>
+                </a:tc>
+                <a:extLst>
+                  <a:ext uri="{0D108BD9-81ED-4DB2-BD59-A6C34878D82A}">
+                    <a16:rowId xmlns:a16="http://schemas.microsoft.com/office/drawing/2014/main" val="3116922087"/>
+                  </a:ext>
+                </a:extLst>
+              </a:tr>
+              <a:tr h="141891">
+                <a:tc>
+                  <a:txBody>
+                    <a:bodyPr/>
+                    <a:lstStyle/>
+                    <a:p>
+                      <a:pPr>
+                        <a:spcBef>
+                          <a:spcPts val="1200"/>
+                        </a:spcBef>
+                        <a:buNone/>
+                      </a:pPr>
+                      <a:r>
+                        <a:rPr lang="nb-NO" sz="700">
+                          <a:effectLst/>
+                        </a:rPr>
+                        <a:t>MeasuringLineFunction</a:t>
+                      </a:r>
+                      <a:endParaRPr lang="en-GB" sz="800">
+                        <a:effectLst/>
+                        <a:latin typeface="Times New Roman" panose="02020603050405020304" pitchFamily="18" charset="0"/>
+                        <a:ea typeface="Times New Roman" panose="02020603050405020304" pitchFamily="18" charset="0"/>
+                      </a:endParaRPr>
+                    </a:p>
+                  </a:txBody>
+                  <a:tcPr marL="31531" marR="31531" marT="0" marB="0" anchor="ctr"/>
+                </a:tc>
+                <a:tc>
+                  <a:txBody>
+                    <a:bodyPr/>
+                    <a:lstStyle/>
+                    <a:p>
+                      <a:pPr>
+                        <a:spcBef>
+                          <a:spcPts val="1200"/>
+                        </a:spcBef>
+                        <a:buNone/>
+                      </a:pPr>
+                      <a:r>
+                        <a:rPr lang="nb-NO" sz="700">
+                          <a:effectLst/>
+                        </a:rPr>
+                        <a:t> </a:t>
+                      </a:r>
+                      <a:endParaRPr lang="en-GB" sz="800">
+                        <a:effectLst/>
+                        <a:latin typeface="Times New Roman" panose="02020603050405020304" pitchFamily="18" charset="0"/>
+                        <a:ea typeface="Times New Roman" panose="02020603050405020304" pitchFamily="18" charset="0"/>
+                      </a:endParaRPr>
+                    </a:p>
+                  </a:txBody>
+                  <a:tcPr marL="31531" marR="31531" marT="0" marB="0" anchor="ctr"/>
+                </a:tc>
+                <a:tc>
+                  <a:txBody>
+                    <a:bodyPr/>
+                    <a:lstStyle/>
+                    <a:p>
+                      <a:pPr>
+                        <a:spcBef>
+                          <a:spcPts val="1200"/>
+                        </a:spcBef>
+                        <a:buNone/>
+                      </a:pPr>
+                      <a:r>
+                        <a:rPr lang="nb-NO" sz="700">
+                          <a:effectLst/>
+                        </a:rPr>
+                        <a:t>Not Required</a:t>
+                      </a:r>
+                      <a:endParaRPr lang="en-GB" sz="800">
+                        <a:effectLst/>
+                        <a:latin typeface="Times New Roman" panose="02020603050405020304" pitchFamily="18" charset="0"/>
+                        <a:ea typeface="Times New Roman" panose="02020603050405020304" pitchFamily="18" charset="0"/>
+                      </a:endParaRPr>
+                    </a:p>
+                  </a:txBody>
+                  <a:tcPr marL="31531" marR="31531" marT="0" marB="0" anchor="ctr"/>
+                </a:tc>
+                <a:extLst>
+                  <a:ext uri="{0D108BD9-81ED-4DB2-BD59-A6C34878D82A}">
+                    <a16:rowId xmlns:a16="http://schemas.microsoft.com/office/drawing/2014/main" val="2694892427"/>
+                  </a:ext>
+                </a:extLst>
+              </a:tr>
+              <a:tr h="141891">
+                <a:tc>
+                  <a:txBody>
+                    <a:bodyPr/>
+                    <a:lstStyle/>
+                    <a:p>
+                      <a:pPr>
+                        <a:spcBef>
+                          <a:spcPts val="1200"/>
+                        </a:spcBef>
+                        <a:buNone/>
+                      </a:pPr>
+                      <a:r>
+                        <a:rPr lang="nb-NO" sz="700">
+                          <a:effectLst/>
+                        </a:rPr>
+                        <a:t>ActuatingElectricalFunction</a:t>
+                      </a:r>
+                      <a:endParaRPr lang="en-GB" sz="800">
+                        <a:effectLst/>
+                        <a:latin typeface="Times New Roman" panose="02020603050405020304" pitchFamily="18" charset="0"/>
+                        <a:ea typeface="Times New Roman" panose="02020603050405020304" pitchFamily="18" charset="0"/>
+                      </a:endParaRPr>
+                    </a:p>
+                  </a:txBody>
+                  <a:tcPr marL="31531" marR="31531" marT="0" marB="0" anchor="ctr"/>
+                </a:tc>
+                <a:tc>
+                  <a:txBody>
+                    <a:bodyPr/>
+                    <a:lstStyle/>
+                    <a:p>
+                      <a:pPr>
+                        <a:spcBef>
+                          <a:spcPts val="1200"/>
+                        </a:spcBef>
+                        <a:buNone/>
+                      </a:pPr>
+                      <a:r>
+                        <a:rPr lang="nb-NO" sz="700">
+                          <a:effectLst/>
+                        </a:rPr>
+                        <a:t> </a:t>
+                      </a:r>
+                      <a:endParaRPr lang="en-GB" sz="800">
+                        <a:effectLst/>
+                        <a:latin typeface="Times New Roman" panose="02020603050405020304" pitchFamily="18" charset="0"/>
+                        <a:ea typeface="Times New Roman" panose="02020603050405020304" pitchFamily="18" charset="0"/>
+                      </a:endParaRPr>
+                    </a:p>
+                  </a:txBody>
+                  <a:tcPr marL="31531" marR="31531" marT="0" marB="0" anchor="ctr"/>
+                </a:tc>
+                <a:tc>
+                  <a:txBody>
+                    <a:bodyPr/>
+                    <a:lstStyle/>
+                    <a:p>
+                      <a:pPr>
+                        <a:spcBef>
+                          <a:spcPts val="1200"/>
+                        </a:spcBef>
+                        <a:buNone/>
+                      </a:pPr>
+                      <a:r>
+                        <a:rPr lang="nb-NO" sz="700">
+                          <a:effectLst/>
+                        </a:rPr>
+                        <a:t>Not Required</a:t>
+                      </a:r>
+                      <a:endParaRPr lang="en-GB" sz="800">
+                        <a:effectLst/>
+                        <a:latin typeface="Times New Roman" panose="02020603050405020304" pitchFamily="18" charset="0"/>
+                        <a:ea typeface="Times New Roman" panose="02020603050405020304" pitchFamily="18" charset="0"/>
+                      </a:endParaRPr>
+                    </a:p>
+                  </a:txBody>
+                  <a:tcPr marL="31531" marR="31531" marT="0" marB="0" anchor="ctr"/>
+                </a:tc>
+                <a:extLst>
+                  <a:ext uri="{0D108BD9-81ED-4DB2-BD59-A6C34878D82A}">
+                    <a16:rowId xmlns:a16="http://schemas.microsoft.com/office/drawing/2014/main" val="1939114054"/>
+                  </a:ext>
+                </a:extLst>
+              </a:tr>
+              <a:tr h="141891">
+                <a:tc>
+                  <a:txBody>
+                    <a:bodyPr/>
+                    <a:lstStyle/>
+                    <a:p>
+                      <a:pPr>
+                        <a:spcBef>
+                          <a:spcPts val="1200"/>
+                        </a:spcBef>
+                        <a:buNone/>
+                      </a:pPr>
+                      <a:r>
+                        <a:rPr lang="nb-NO" sz="700">
+                          <a:effectLst/>
+                        </a:rPr>
+                        <a:t>ActuatingSystem</a:t>
+                      </a:r>
+                      <a:endParaRPr lang="en-GB" sz="800">
+                        <a:effectLst/>
+                        <a:latin typeface="Times New Roman" panose="02020603050405020304" pitchFamily="18" charset="0"/>
+                        <a:ea typeface="Times New Roman" panose="02020603050405020304" pitchFamily="18" charset="0"/>
+                      </a:endParaRPr>
+                    </a:p>
+                  </a:txBody>
+                  <a:tcPr marL="31531" marR="31531" marT="0" marB="0" anchor="ctr"/>
+                </a:tc>
+                <a:tc>
+                  <a:txBody>
+                    <a:bodyPr/>
+                    <a:lstStyle/>
+                    <a:p>
+                      <a:pPr>
+                        <a:spcBef>
+                          <a:spcPts val="1200"/>
+                        </a:spcBef>
+                        <a:buNone/>
+                      </a:pPr>
+                      <a:r>
+                        <a:rPr lang="nb-NO" sz="700">
+                          <a:effectLst/>
+                        </a:rPr>
+                        <a:t> </a:t>
+                      </a:r>
+                      <a:endParaRPr lang="en-GB" sz="800">
+                        <a:effectLst/>
+                        <a:latin typeface="Times New Roman" panose="02020603050405020304" pitchFamily="18" charset="0"/>
+                        <a:ea typeface="Times New Roman" panose="02020603050405020304" pitchFamily="18" charset="0"/>
+                      </a:endParaRPr>
+                    </a:p>
+                  </a:txBody>
+                  <a:tcPr marL="31531" marR="31531" marT="0" marB="0" anchor="ctr"/>
+                </a:tc>
+                <a:tc>
+                  <a:txBody>
+                    <a:bodyPr/>
+                    <a:lstStyle/>
+                    <a:p>
+                      <a:pPr>
+                        <a:spcBef>
+                          <a:spcPts val="1200"/>
+                        </a:spcBef>
+                        <a:buNone/>
+                      </a:pPr>
+                      <a:r>
+                        <a:rPr lang="nb-NO" sz="700">
+                          <a:effectLst/>
+                        </a:rPr>
+                        <a:t>Not Required</a:t>
+                      </a:r>
+                      <a:endParaRPr lang="en-GB" sz="800">
+                        <a:effectLst/>
+                        <a:latin typeface="Times New Roman" panose="02020603050405020304" pitchFamily="18" charset="0"/>
+                        <a:ea typeface="Times New Roman" panose="02020603050405020304" pitchFamily="18" charset="0"/>
+                      </a:endParaRPr>
+                    </a:p>
+                  </a:txBody>
+                  <a:tcPr marL="31531" marR="31531" marT="0" marB="0" anchor="ctr"/>
+                </a:tc>
+                <a:extLst>
+                  <a:ext uri="{0D108BD9-81ED-4DB2-BD59-A6C34878D82A}">
+                    <a16:rowId xmlns:a16="http://schemas.microsoft.com/office/drawing/2014/main" val="3876505347"/>
+                  </a:ext>
+                </a:extLst>
+              </a:tr>
+              <a:tr h="141891">
+                <a:tc>
+                  <a:txBody>
+                    <a:bodyPr/>
+                    <a:lstStyle/>
+                    <a:p>
+                      <a:pPr>
+                        <a:spcBef>
+                          <a:spcPts val="1200"/>
+                        </a:spcBef>
+                        <a:buNone/>
+                      </a:pPr>
+                      <a:r>
+                        <a:rPr lang="nb-NO" sz="700">
+                          <a:effectLst/>
+                        </a:rPr>
+                        <a:t>ActuatingFunction</a:t>
+                      </a:r>
+                      <a:endParaRPr lang="en-GB" sz="800">
+                        <a:effectLst/>
+                        <a:latin typeface="Times New Roman" panose="02020603050405020304" pitchFamily="18" charset="0"/>
+                        <a:ea typeface="Times New Roman" panose="02020603050405020304" pitchFamily="18" charset="0"/>
+                      </a:endParaRPr>
+                    </a:p>
+                  </a:txBody>
+                  <a:tcPr marL="31531" marR="31531" marT="0" marB="0" anchor="ctr"/>
+                </a:tc>
+                <a:tc>
+                  <a:txBody>
+                    <a:bodyPr/>
+                    <a:lstStyle/>
+                    <a:p>
+                      <a:pPr>
+                        <a:spcBef>
+                          <a:spcPts val="1200"/>
+                        </a:spcBef>
+                        <a:buNone/>
+                      </a:pPr>
+                      <a:r>
+                        <a:rPr lang="nb-NO" sz="700">
+                          <a:effectLst/>
+                        </a:rPr>
+                        <a:t> </a:t>
+                      </a:r>
+                      <a:endParaRPr lang="en-GB" sz="800">
+                        <a:effectLst/>
+                        <a:latin typeface="Times New Roman" panose="02020603050405020304" pitchFamily="18" charset="0"/>
+                        <a:ea typeface="Times New Roman" panose="02020603050405020304" pitchFamily="18" charset="0"/>
+                      </a:endParaRPr>
+                    </a:p>
+                  </a:txBody>
+                  <a:tcPr marL="31531" marR="31531" marT="0" marB="0" anchor="ctr"/>
+                </a:tc>
+                <a:tc>
+                  <a:txBody>
+                    <a:bodyPr/>
+                    <a:lstStyle/>
+                    <a:p>
+                      <a:pPr>
+                        <a:spcBef>
+                          <a:spcPts val="1200"/>
+                        </a:spcBef>
+                        <a:buNone/>
+                      </a:pPr>
+                      <a:r>
+                        <a:rPr lang="nb-NO" sz="700">
+                          <a:effectLst/>
+                        </a:rPr>
+                        <a:t>Not Required</a:t>
+                      </a:r>
+                      <a:endParaRPr lang="en-GB" sz="800">
+                        <a:effectLst/>
+                        <a:latin typeface="Times New Roman" panose="02020603050405020304" pitchFamily="18" charset="0"/>
+                        <a:ea typeface="Times New Roman" panose="02020603050405020304" pitchFamily="18" charset="0"/>
+                      </a:endParaRPr>
+                    </a:p>
+                  </a:txBody>
+                  <a:tcPr marL="31531" marR="31531" marT="0" marB="0" anchor="ctr"/>
+                </a:tc>
+                <a:extLst>
+                  <a:ext uri="{0D108BD9-81ED-4DB2-BD59-A6C34878D82A}">
+                    <a16:rowId xmlns:a16="http://schemas.microsoft.com/office/drawing/2014/main" val="2722170950"/>
+                  </a:ext>
+                </a:extLst>
+              </a:tr>
+              <a:tr h="141891">
+                <a:tc>
+                  <a:txBody>
+                    <a:bodyPr/>
+                    <a:lstStyle/>
+                    <a:p>
+                      <a:pPr>
+                        <a:spcBef>
+                          <a:spcPts val="1200"/>
+                        </a:spcBef>
+                        <a:buNone/>
+                      </a:pPr>
+                      <a:r>
+                        <a:rPr lang="nb-NO" sz="700">
+                          <a:effectLst/>
+                        </a:rPr>
+                        <a:t>ProcessSignalGeneratingFunction</a:t>
+                      </a:r>
+                      <a:endParaRPr lang="en-GB" sz="800">
+                        <a:effectLst/>
+                        <a:latin typeface="Times New Roman" panose="02020603050405020304" pitchFamily="18" charset="0"/>
+                        <a:ea typeface="Times New Roman" panose="02020603050405020304" pitchFamily="18" charset="0"/>
+                      </a:endParaRPr>
+                    </a:p>
+                  </a:txBody>
+                  <a:tcPr marL="31531" marR="31531" marT="0" marB="0" anchor="ctr"/>
+                </a:tc>
+                <a:tc>
+                  <a:txBody>
+                    <a:bodyPr/>
+                    <a:lstStyle/>
+                    <a:p>
+                      <a:pPr>
+                        <a:spcBef>
+                          <a:spcPts val="1200"/>
+                        </a:spcBef>
+                        <a:buNone/>
+                      </a:pPr>
+                      <a:r>
+                        <a:rPr lang="nb-NO" sz="700">
+                          <a:effectLst/>
+                        </a:rPr>
+                        <a:t> </a:t>
+                      </a:r>
+                      <a:endParaRPr lang="en-GB" sz="800">
+                        <a:effectLst/>
+                        <a:latin typeface="Times New Roman" panose="02020603050405020304" pitchFamily="18" charset="0"/>
+                        <a:ea typeface="Times New Roman" panose="02020603050405020304" pitchFamily="18" charset="0"/>
+                      </a:endParaRPr>
+                    </a:p>
+                  </a:txBody>
+                  <a:tcPr marL="31531" marR="31531" marT="0" marB="0" anchor="ctr"/>
+                </a:tc>
+                <a:tc>
+                  <a:txBody>
+                    <a:bodyPr/>
+                    <a:lstStyle/>
+                    <a:p>
+                      <a:pPr>
+                        <a:spcBef>
+                          <a:spcPts val="1200"/>
+                        </a:spcBef>
+                        <a:buNone/>
+                      </a:pPr>
+                      <a:r>
+                        <a:rPr lang="nb-NO" sz="700">
+                          <a:effectLst/>
+                        </a:rPr>
+                        <a:t>Not Required</a:t>
+                      </a:r>
+                      <a:endParaRPr lang="en-GB" sz="800">
+                        <a:effectLst/>
+                        <a:latin typeface="Times New Roman" panose="02020603050405020304" pitchFamily="18" charset="0"/>
+                        <a:ea typeface="Times New Roman" panose="02020603050405020304" pitchFamily="18" charset="0"/>
+                      </a:endParaRPr>
+                    </a:p>
+                  </a:txBody>
+                  <a:tcPr marL="31531" marR="31531" marT="0" marB="0" anchor="ctr"/>
+                </a:tc>
+                <a:extLst>
+                  <a:ext uri="{0D108BD9-81ED-4DB2-BD59-A6C34878D82A}">
+                    <a16:rowId xmlns:a16="http://schemas.microsoft.com/office/drawing/2014/main" val="1865566590"/>
+                  </a:ext>
+                </a:extLst>
+              </a:tr>
+              <a:tr h="141891">
+                <a:tc>
+                  <a:txBody>
+                    <a:bodyPr/>
+                    <a:lstStyle/>
+                    <a:p>
+                      <a:pPr>
+                        <a:spcBef>
+                          <a:spcPts val="1200"/>
+                        </a:spcBef>
+                        <a:buNone/>
+                      </a:pPr>
+                      <a:r>
+                        <a:rPr lang="nb-NO" sz="700">
+                          <a:effectLst/>
+                        </a:rPr>
+                        <a:t>ProcessSignalGeneratingSystem</a:t>
+                      </a:r>
+                      <a:endParaRPr lang="en-GB" sz="800">
+                        <a:effectLst/>
+                        <a:latin typeface="Times New Roman" panose="02020603050405020304" pitchFamily="18" charset="0"/>
+                        <a:ea typeface="Times New Roman" panose="02020603050405020304" pitchFamily="18" charset="0"/>
+                      </a:endParaRPr>
+                    </a:p>
+                  </a:txBody>
+                  <a:tcPr marL="31531" marR="31531" marT="0" marB="0" anchor="ctr"/>
+                </a:tc>
+                <a:tc>
+                  <a:txBody>
+                    <a:bodyPr/>
+                    <a:lstStyle/>
+                    <a:p>
+                      <a:pPr>
+                        <a:spcBef>
+                          <a:spcPts val="1200"/>
+                        </a:spcBef>
+                        <a:buNone/>
+                      </a:pPr>
+                      <a:r>
+                        <a:rPr lang="nb-NO" sz="700">
+                          <a:effectLst/>
+                        </a:rPr>
+                        <a:t> </a:t>
+                      </a:r>
+                      <a:endParaRPr lang="en-GB" sz="800">
+                        <a:effectLst/>
+                        <a:latin typeface="Times New Roman" panose="02020603050405020304" pitchFamily="18" charset="0"/>
+                        <a:ea typeface="Times New Roman" panose="02020603050405020304" pitchFamily="18" charset="0"/>
+                      </a:endParaRPr>
+                    </a:p>
+                  </a:txBody>
+                  <a:tcPr marL="31531" marR="31531" marT="0" marB="0" anchor="ctr"/>
+                </a:tc>
+                <a:tc>
+                  <a:txBody>
+                    <a:bodyPr/>
+                    <a:lstStyle/>
+                    <a:p>
+                      <a:pPr>
+                        <a:spcBef>
+                          <a:spcPts val="1200"/>
+                        </a:spcBef>
+                        <a:buNone/>
+                      </a:pPr>
+                      <a:r>
+                        <a:rPr lang="nb-NO" sz="700">
+                          <a:effectLst/>
+                        </a:rPr>
+                        <a:t>Not Required</a:t>
+                      </a:r>
+                      <a:endParaRPr lang="en-GB" sz="800">
+                        <a:effectLst/>
+                        <a:latin typeface="Times New Roman" panose="02020603050405020304" pitchFamily="18" charset="0"/>
+                        <a:ea typeface="Times New Roman" panose="02020603050405020304" pitchFamily="18" charset="0"/>
+                      </a:endParaRPr>
+                    </a:p>
+                  </a:txBody>
+                  <a:tcPr marL="31531" marR="31531" marT="0" marB="0" anchor="ctr"/>
+                </a:tc>
+                <a:extLst>
+                  <a:ext uri="{0D108BD9-81ED-4DB2-BD59-A6C34878D82A}">
+                    <a16:rowId xmlns:a16="http://schemas.microsoft.com/office/drawing/2014/main" val="251495797"/>
+                  </a:ext>
+                </a:extLst>
+              </a:tr>
+              <a:tr h="141891">
+                <a:tc>
+                  <a:txBody>
+                    <a:bodyPr/>
+                    <a:lstStyle/>
+                    <a:p>
+                      <a:pPr>
+                        <a:spcBef>
+                          <a:spcPts val="1200"/>
+                        </a:spcBef>
+                        <a:buNone/>
+                      </a:pPr>
+                      <a:r>
+                        <a:rPr lang="nb-NO" sz="700">
+                          <a:effectLst/>
+                        </a:rPr>
+                        <a:t>TransmissionSystem</a:t>
+                      </a:r>
+                      <a:endParaRPr lang="en-GB" sz="800">
+                        <a:effectLst/>
+                        <a:latin typeface="Times New Roman" panose="02020603050405020304" pitchFamily="18" charset="0"/>
+                        <a:ea typeface="Times New Roman" panose="02020603050405020304" pitchFamily="18" charset="0"/>
+                      </a:endParaRPr>
+                    </a:p>
+                  </a:txBody>
+                  <a:tcPr marL="31531" marR="31531" marT="0" marB="0" anchor="ctr"/>
+                </a:tc>
+                <a:tc>
+                  <a:txBody>
+                    <a:bodyPr/>
+                    <a:lstStyle/>
+                    <a:p>
+                      <a:pPr>
+                        <a:spcBef>
+                          <a:spcPts val="1200"/>
+                        </a:spcBef>
+                        <a:buNone/>
+                      </a:pPr>
+                      <a:r>
+                        <a:rPr lang="nb-NO" sz="700">
+                          <a:effectLst/>
+                        </a:rPr>
+                        <a:t> </a:t>
+                      </a:r>
+                      <a:endParaRPr lang="en-GB" sz="800">
+                        <a:effectLst/>
+                        <a:latin typeface="Times New Roman" panose="02020603050405020304" pitchFamily="18" charset="0"/>
+                        <a:ea typeface="Times New Roman" panose="02020603050405020304" pitchFamily="18" charset="0"/>
+                      </a:endParaRPr>
+                    </a:p>
+                  </a:txBody>
+                  <a:tcPr marL="31531" marR="31531" marT="0" marB="0" anchor="ctr"/>
+                </a:tc>
+                <a:tc>
+                  <a:txBody>
+                    <a:bodyPr/>
+                    <a:lstStyle/>
+                    <a:p>
+                      <a:pPr>
+                        <a:spcBef>
+                          <a:spcPts val="1200"/>
+                        </a:spcBef>
+                        <a:buNone/>
+                      </a:pPr>
+                      <a:r>
+                        <a:rPr lang="nb-NO" sz="700">
+                          <a:effectLst/>
+                        </a:rPr>
+                        <a:t>Not Required</a:t>
+                      </a:r>
+                      <a:endParaRPr lang="en-GB" sz="800">
+                        <a:effectLst/>
+                        <a:latin typeface="Times New Roman" panose="02020603050405020304" pitchFamily="18" charset="0"/>
+                        <a:ea typeface="Times New Roman" panose="02020603050405020304" pitchFamily="18" charset="0"/>
+                      </a:endParaRPr>
+                    </a:p>
+                  </a:txBody>
+                  <a:tcPr marL="31531" marR="31531" marT="0" marB="0" anchor="ctr"/>
+                </a:tc>
+                <a:extLst>
+                  <a:ext uri="{0D108BD9-81ED-4DB2-BD59-A6C34878D82A}">
+                    <a16:rowId xmlns:a16="http://schemas.microsoft.com/office/drawing/2014/main" val="1385290114"/>
+                  </a:ext>
+                </a:extLst>
+              </a:tr>
+              <a:tr h="141891">
+                <a:tc>
+                  <a:txBody>
+                    <a:bodyPr/>
+                    <a:lstStyle/>
+                    <a:p>
+                      <a:pPr>
+                        <a:spcBef>
+                          <a:spcPts val="1200"/>
+                        </a:spcBef>
+                        <a:buNone/>
+                      </a:pPr>
+                      <a:r>
+                        <a:rPr lang="nb-NO" sz="700">
+                          <a:effectLst/>
+                        </a:rPr>
+                        <a:t>SensingLocation</a:t>
+                      </a:r>
+                      <a:endParaRPr lang="en-GB" sz="800">
+                        <a:effectLst/>
+                        <a:latin typeface="Times New Roman" panose="02020603050405020304" pitchFamily="18" charset="0"/>
+                        <a:ea typeface="Times New Roman" panose="02020603050405020304" pitchFamily="18" charset="0"/>
+                      </a:endParaRPr>
+                    </a:p>
+                  </a:txBody>
+                  <a:tcPr marL="31531" marR="31531" marT="0" marB="0" anchor="ctr"/>
+                </a:tc>
+                <a:tc>
+                  <a:txBody>
+                    <a:bodyPr/>
+                    <a:lstStyle/>
+                    <a:p>
+                      <a:pPr>
+                        <a:spcBef>
+                          <a:spcPts val="1200"/>
+                        </a:spcBef>
+                        <a:buNone/>
+                      </a:pPr>
+                      <a:r>
+                        <a:rPr lang="nb-NO" sz="700">
+                          <a:effectLst/>
+                        </a:rPr>
+                        <a:t> </a:t>
+                      </a:r>
+                      <a:endParaRPr lang="en-GB" sz="800">
+                        <a:effectLst/>
+                        <a:latin typeface="Times New Roman" panose="02020603050405020304" pitchFamily="18" charset="0"/>
+                        <a:ea typeface="Times New Roman" panose="02020603050405020304" pitchFamily="18" charset="0"/>
+                      </a:endParaRPr>
+                    </a:p>
+                  </a:txBody>
+                  <a:tcPr marL="31531" marR="31531" marT="0" marB="0" anchor="ctr"/>
+                </a:tc>
+                <a:tc>
+                  <a:txBody>
+                    <a:bodyPr/>
+                    <a:lstStyle/>
+                    <a:p>
+                      <a:pPr>
+                        <a:spcBef>
+                          <a:spcPts val="1200"/>
+                        </a:spcBef>
+                        <a:buNone/>
+                      </a:pPr>
+                      <a:r>
+                        <a:rPr lang="nb-NO" sz="700">
+                          <a:effectLst/>
+                        </a:rPr>
+                        <a:t>Not Required</a:t>
+                      </a:r>
+                      <a:endParaRPr lang="en-GB" sz="800">
+                        <a:effectLst/>
+                        <a:latin typeface="Times New Roman" panose="02020603050405020304" pitchFamily="18" charset="0"/>
+                        <a:ea typeface="Times New Roman" panose="02020603050405020304" pitchFamily="18" charset="0"/>
+                      </a:endParaRPr>
+                    </a:p>
+                  </a:txBody>
+                  <a:tcPr marL="31531" marR="31531" marT="0" marB="0" anchor="ctr"/>
+                </a:tc>
+                <a:extLst>
+                  <a:ext uri="{0D108BD9-81ED-4DB2-BD59-A6C34878D82A}">
+                    <a16:rowId xmlns:a16="http://schemas.microsoft.com/office/drawing/2014/main" val="3545378581"/>
+                  </a:ext>
+                </a:extLst>
+              </a:tr>
+              <a:tr h="141891">
+                <a:tc>
+                  <a:txBody>
+                    <a:bodyPr/>
+                    <a:lstStyle/>
+                    <a:p>
+                      <a:pPr>
+                        <a:spcBef>
+                          <a:spcPts val="1200"/>
+                        </a:spcBef>
+                        <a:buNone/>
+                      </a:pPr>
+                      <a:r>
+                        <a:rPr lang="nb-NO" sz="700">
+                          <a:effectLst/>
+                        </a:rPr>
+                        <a:t>PropertyBreak</a:t>
+                      </a:r>
+                      <a:endParaRPr lang="en-GB" sz="800">
+                        <a:effectLst/>
+                        <a:latin typeface="Times New Roman" panose="02020603050405020304" pitchFamily="18" charset="0"/>
+                        <a:ea typeface="Times New Roman" panose="02020603050405020304" pitchFamily="18" charset="0"/>
+                      </a:endParaRPr>
+                    </a:p>
+                  </a:txBody>
+                  <a:tcPr marL="31531" marR="31531" marT="0" marB="0" anchor="ctr"/>
+                </a:tc>
+                <a:tc>
+                  <a:txBody>
+                    <a:bodyPr/>
+                    <a:lstStyle/>
+                    <a:p>
+                      <a:pPr>
+                        <a:spcBef>
+                          <a:spcPts val="1200"/>
+                        </a:spcBef>
+                        <a:buNone/>
+                      </a:pPr>
+                      <a:r>
+                        <a:rPr lang="nb-NO" sz="700">
+                          <a:effectLst/>
+                        </a:rPr>
+                        <a:t> </a:t>
+                      </a:r>
+                      <a:endParaRPr lang="en-GB" sz="800">
+                        <a:effectLst/>
+                        <a:latin typeface="Times New Roman" panose="02020603050405020304" pitchFamily="18" charset="0"/>
+                        <a:ea typeface="Times New Roman" panose="02020603050405020304" pitchFamily="18" charset="0"/>
+                      </a:endParaRPr>
+                    </a:p>
+                  </a:txBody>
+                  <a:tcPr marL="31531" marR="31531" marT="0" marB="0" anchor="ctr"/>
+                </a:tc>
+                <a:tc>
+                  <a:txBody>
+                    <a:bodyPr/>
+                    <a:lstStyle/>
+                    <a:p>
+                      <a:pPr>
+                        <a:spcBef>
+                          <a:spcPts val="1200"/>
+                        </a:spcBef>
+                        <a:buNone/>
+                      </a:pPr>
+                      <a:r>
+                        <a:rPr lang="nb-NO" sz="700">
+                          <a:effectLst/>
+                        </a:rPr>
+                        <a:t>Not Required</a:t>
+                      </a:r>
+                      <a:endParaRPr lang="en-GB" sz="800">
+                        <a:effectLst/>
+                        <a:latin typeface="Times New Roman" panose="02020603050405020304" pitchFamily="18" charset="0"/>
+                        <a:ea typeface="Times New Roman" panose="02020603050405020304" pitchFamily="18" charset="0"/>
+                      </a:endParaRPr>
+                    </a:p>
+                  </a:txBody>
+                  <a:tcPr marL="31531" marR="31531" marT="0" marB="0" anchor="ctr"/>
+                </a:tc>
+                <a:extLst>
+                  <a:ext uri="{0D108BD9-81ED-4DB2-BD59-A6C34878D82A}">
+                    <a16:rowId xmlns:a16="http://schemas.microsoft.com/office/drawing/2014/main" val="4023260840"/>
+                  </a:ext>
+                </a:extLst>
+              </a:tr>
+              <a:tr h="141891">
+                <a:tc>
+                  <a:txBody>
+                    <a:bodyPr/>
+                    <a:lstStyle/>
+                    <a:p>
+                      <a:pPr>
+                        <a:spcBef>
+                          <a:spcPts val="1200"/>
+                        </a:spcBef>
+                        <a:buNone/>
+                      </a:pPr>
+                      <a:r>
+                        <a:rPr lang="nb-NO" sz="700">
+                          <a:effectLst/>
+                        </a:rPr>
+                        <a:t>OperatedValveReference</a:t>
+                      </a:r>
+                      <a:endParaRPr lang="en-GB" sz="800">
+                        <a:effectLst/>
+                        <a:latin typeface="Times New Roman" panose="02020603050405020304" pitchFamily="18" charset="0"/>
+                        <a:ea typeface="Times New Roman" panose="02020603050405020304" pitchFamily="18" charset="0"/>
+                      </a:endParaRPr>
+                    </a:p>
+                  </a:txBody>
+                  <a:tcPr marL="31531" marR="31531" marT="0" marB="0" anchor="ctr"/>
+                </a:tc>
+                <a:tc>
+                  <a:txBody>
+                    <a:bodyPr/>
+                    <a:lstStyle/>
+                    <a:p>
+                      <a:pPr>
+                        <a:spcBef>
+                          <a:spcPts val="1200"/>
+                        </a:spcBef>
+                        <a:buNone/>
+                      </a:pPr>
+                      <a:r>
+                        <a:rPr lang="nb-NO" sz="700">
+                          <a:effectLst/>
+                        </a:rPr>
+                        <a:t> </a:t>
+                      </a:r>
+                      <a:endParaRPr lang="en-GB" sz="800">
+                        <a:effectLst/>
+                        <a:latin typeface="Times New Roman" panose="02020603050405020304" pitchFamily="18" charset="0"/>
+                        <a:ea typeface="Times New Roman" panose="02020603050405020304" pitchFamily="18" charset="0"/>
+                      </a:endParaRPr>
+                    </a:p>
+                  </a:txBody>
+                  <a:tcPr marL="31531" marR="31531" marT="0" marB="0" anchor="ctr"/>
+                </a:tc>
+                <a:tc>
+                  <a:txBody>
+                    <a:bodyPr/>
+                    <a:lstStyle/>
+                    <a:p>
+                      <a:pPr>
+                        <a:spcBef>
+                          <a:spcPts val="1200"/>
+                        </a:spcBef>
+                        <a:buNone/>
+                      </a:pPr>
+                      <a:r>
+                        <a:rPr lang="nb-NO" sz="700">
+                          <a:effectLst/>
+                        </a:rPr>
+                        <a:t>Not Required</a:t>
+                      </a:r>
+                      <a:endParaRPr lang="en-GB" sz="800">
+                        <a:effectLst/>
+                        <a:latin typeface="Times New Roman" panose="02020603050405020304" pitchFamily="18" charset="0"/>
+                        <a:ea typeface="Times New Roman" panose="02020603050405020304" pitchFamily="18" charset="0"/>
+                      </a:endParaRPr>
+                    </a:p>
+                  </a:txBody>
+                  <a:tcPr marL="31531" marR="31531" marT="0" marB="0" anchor="ctr"/>
+                </a:tc>
+                <a:extLst>
+                  <a:ext uri="{0D108BD9-81ED-4DB2-BD59-A6C34878D82A}">
+                    <a16:rowId xmlns:a16="http://schemas.microsoft.com/office/drawing/2014/main" val="4236778182"/>
+                  </a:ext>
+                </a:extLst>
+              </a:tr>
+              <a:tr h="141891">
+                <a:tc>
+                  <a:txBody>
+                    <a:bodyPr/>
+                    <a:lstStyle/>
+                    <a:p>
+                      <a:pPr>
+                        <a:spcBef>
+                          <a:spcPts val="1200"/>
+                        </a:spcBef>
+                        <a:buNone/>
+                      </a:pPr>
+                      <a:r>
+                        <a:rPr lang="nb-NO" sz="700">
+                          <a:effectLst/>
+                        </a:rPr>
+                        <a:t>PipingNode</a:t>
+                      </a:r>
+                      <a:endParaRPr lang="en-GB" sz="800">
+                        <a:effectLst/>
+                        <a:latin typeface="Times New Roman" panose="02020603050405020304" pitchFamily="18" charset="0"/>
+                        <a:ea typeface="Times New Roman" panose="02020603050405020304" pitchFamily="18" charset="0"/>
+                      </a:endParaRPr>
+                    </a:p>
+                  </a:txBody>
+                  <a:tcPr marL="31531" marR="31531" marT="0" marB="0" anchor="ctr"/>
+                </a:tc>
+                <a:tc>
+                  <a:txBody>
+                    <a:bodyPr/>
+                    <a:lstStyle/>
+                    <a:p>
+                      <a:pPr>
+                        <a:spcBef>
+                          <a:spcPts val="1200"/>
+                        </a:spcBef>
+                        <a:buNone/>
+                      </a:pPr>
+                      <a:r>
+                        <a:rPr lang="nb-NO" sz="700">
+                          <a:effectLst/>
+                        </a:rPr>
+                        <a:t> </a:t>
+                      </a:r>
+                      <a:endParaRPr lang="en-GB" sz="800">
+                        <a:effectLst/>
+                        <a:latin typeface="Times New Roman" panose="02020603050405020304" pitchFamily="18" charset="0"/>
+                        <a:ea typeface="Times New Roman" panose="02020603050405020304" pitchFamily="18" charset="0"/>
+                      </a:endParaRPr>
+                    </a:p>
+                  </a:txBody>
+                  <a:tcPr marL="31531" marR="31531" marT="0" marB="0" anchor="ctr"/>
+                </a:tc>
+                <a:tc>
+                  <a:txBody>
+                    <a:bodyPr/>
+                    <a:lstStyle/>
+                    <a:p>
+                      <a:pPr>
+                        <a:spcBef>
+                          <a:spcPts val="1200"/>
+                        </a:spcBef>
+                        <a:buNone/>
+                      </a:pPr>
+                      <a:r>
+                        <a:rPr lang="nb-NO" sz="700">
+                          <a:effectLst/>
+                        </a:rPr>
+                        <a:t>Not Required</a:t>
+                      </a:r>
+                      <a:endParaRPr lang="en-GB" sz="800">
+                        <a:effectLst/>
+                        <a:latin typeface="Times New Roman" panose="02020603050405020304" pitchFamily="18" charset="0"/>
+                        <a:ea typeface="Times New Roman" panose="02020603050405020304" pitchFamily="18" charset="0"/>
+                      </a:endParaRPr>
+                    </a:p>
+                  </a:txBody>
+                  <a:tcPr marL="31531" marR="31531" marT="0" marB="0" anchor="ctr"/>
+                </a:tc>
+                <a:extLst>
+                  <a:ext uri="{0D108BD9-81ED-4DB2-BD59-A6C34878D82A}">
+                    <a16:rowId xmlns:a16="http://schemas.microsoft.com/office/drawing/2014/main" val="1511958952"/>
+                  </a:ext>
+                </a:extLst>
+              </a:tr>
+              <a:tr h="141891">
+                <a:tc>
+                  <a:txBody>
+                    <a:bodyPr/>
+                    <a:lstStyle/>
+                    <a:p>
+                      <a:pPr>
+                        <a:spcBef>
+                          <a:spcPts val="1200"/>
+                        </a:spcBef>
+                        <a:buNone/>
+                      </a:pPr>
+                      <a:r>
+                        <a:rPr lang="nb-NO" sz="700">
+                          <a:effectLst/>
+                        </a:rPr>
+                        <a:t>Pipe</a:t>
+                      </a:r>
+                      <a:endParaRPr lang="en-GB" sz="800">
+                        <a:effectLst/>
+                        <a:latin typeface="Times New Roman" panose="02020603050405020304" pitchFamily="18" charset="0"/>
+                        <a:ea typeface="Times New Roman" panose="02020603050405020304" pitchFamily="18" charset="0"/>
+                      </a:endParaRPr>
+                    </a:p>
+                  </a:txBody>
+                  <a:tcPr marL="31531" marR="31531" marT="0" marB="0" anchor="ctr"/>
+                </a:tc>
+                <a:tc>
+                  <a:txBody>
+                    <a:bodyPr/>
+                    <a:lstStyle/>
+                    <a:p>
+                      <a:pPr>
+                        <a:spcBef>
+                          <a:spcPts val="1200"/>
+                        </a:spcBef>
+                        <a:buNone/>
+                      </a:pPr>
+                      <a:r>
+                        <a:rPr lang="nb-NO" sz="700">
+                          <a:effectLst/>
+                        </a:rPr>
+                        <a:t> </a:t>
+                      </a:r>
+                      <a:endParaRPr lang="en-GB" sz="800">
+                        <a:effectLst/>
+                        <a:latin typeface="Times New Roman" panose="02020603050405020304" pitchFamily="18" charset="0"/>
+                        <a:ea typeface="Times New Roman" panose="02020603050405020304" pitchFamily="18" charset="0"/>
+                      </a:endParaRPr>
+                    </a:p>
+                  </a:txBody>
+                  <a:tcPr marL="31531" marR="31531" marT="0" marB="0" anchor="ctr"/>
+                </a:tc>
+                <a:tc>
+                  <a:txBody>
+                    <a:bodyPr/>
+                    <a:lstStyle/>
+                    <a:p>
+                      <a:pPr>
+                        <a:spcBef>
+                          <a:spcPts val="1200"/>
+                        </a:spcBef>
+                        <a:buNone/>
+                      </a:pPr>
+                      <a:r>
+                        <a:rPr lang="nb-NO" sz="700" dirty="0">
+                          <a:effectLst/>
+                        </a:rPr>
+                        <a:t>Not Required</a:t>
+                      </a:r>
+                      <a:endParaRPr lang="en-GB" sz="800" dirty="0">
+                        <a:effectLst/>
+                        <a:latin typeface="Times New Roman" panose="02020603050405020304" pitchFamily="18" charset="0"/>
+                        <a:ea typeface="Times New Roman" panose="02020603050405020304" pitchFamily="18" charset="0"/>
+                      </a:endParaRPr>
+                    </a:p>
+                  </a:txBody>
+                  <a:tcPr marL="31531" marR="31531" marT="0" marB="0" anchor="ctr"/>
+                </a:tc>
+                <a:extLst>
+                  <a:ext uri="{0D108BD9-81ED-4DB2-BD59-A6C34878D82A}">
+                    <a16:rowId xmlns:a16="http://schemas.microsoft.com/office/drawing/2014/main" val="1048405648"/>
+                  </a:ext>
+                </a:extLst>
+              </a:tr>
+            </a:tbl>
+          </a:graphicData>
+        </a:graphic>
+      </p:graphicFrame>
+      <p:sp>
+        <p:nvSpPr>
+          <p:cNvPr id="5" name="TextBox 4">
+            <a:extLst>
+              <a:ext uri="{FF2B5EF4-FFF2-40B4-BE49-F238E27FC236}">
+                <a16:creationId xmlns:a16="http://schemas.microsoft.com/office/drawing/2014/main" id="{2C9186DF-2CDE-58A5-8910-FB9C000BCB2D}"/>
+              </a:ext>
+            </a:extLst>
+          </p:cNvPr>
+          <p:cNvSpPr txBox="1"/>
+          <p:nvPr/>
+        </p:nvSpPr>
+        <p:spPr>
+          <a:xfrm>
+            <a:off x="6530109" y="5450455"/>
+            <a:ext cx="5006109" cy="230832"/>
+          </a:xfrm>
+          <a:prstGeom prst="rect">
+            <a:avLst/>
+          </a:prstGeom>
+          <a:noFill/>
+        </p:spPr>
+        <p:txBody>
+          <a:bodyPr wrap="square" rtlCol="0">
+            <a:spAutoFit/>
+          </a:bodyPr>
+          <a:lstStyle/>
+          <a:p>
+            <a:r>
+              <a:rPr lang="nb-NO" sz="900" i="1" dirty="0">
+                <a:solidFill>
+                  <a:schemeClr val="accent1"/>
+                </a:solidFill>
+              </a:rPr>
+              <a:t>Table 1: Persisent ID Requirements DISC DEXPI</a:t>
+            </a:r>
+            <a:endParaRPr lang="en-GB" sz="900" i="1" dirty="0">
+              <a:solidFill>
+                <a:schemeClr val="accent1"/>
+              </a:solidFill>
+            </a:endParaRPr>
           </a:p>
         </p:txBody>
       </p:sp>

--- a/Blueprint/UseCases_PersistenID.pptx
+++ b/Blueprint/UseCases_PersistenID.pptx
@@ -4111,8 +4111,12 @@
           <a:lstStyle/>
           <a:p>
             <a:r>
+              <a:rPr lang="nb-NO" sz="3200" b="1"/>
+              <a:t>DISC </a:t>
+            </a:r>
+            <a:r>
               <a:rPr lang="nb-NO" sz="3200" b="1" dirty="0"/>
-              <a:t>DISC DEXPI Blueprint use cases</a:t>
+              <a:t>DEXPI Blueprint use cases</a:t>
             </a:r>
             <a:endParaRPr lang="en-GB" sz="3200" b="1" dirty="0"/>
           </a:p>
